--- a/ppt/IoT03-ArduinoCabling.pptx
+++ b/ppt/IoT03-ArduinoCabling.pptx
@@ -618,35 +618,35 @@
           <a:p>
             <a:pPr lvl="0"/>
             <a:r>
-              <a:rPr lang="fr-FR" noProof="0" smtClean="0"/>
+              <a:rPr lang="fr-FR" noProof="0"/>
               <a:t>Cliquez pour modifier les styles du texte du masque</a:t>
             </a:r>
           </a:p>
           <a:p>
             <a:pPr lvl="1"/>
             <a:r>
-              <a:rPr lang="fr-FR" noProof="0" smtClean="0"/>
+              <a:rPr lang="fr-FR" noProof="0"/>
               <a:t>Deuxième niveau</a:t>
             </a:r>
           </a:p>
           <a:p>
             <a:pPr lvl="2"/>
             <a:r>
-              <a:rPr lang="fr-FR" noProof="0" smtClean="0"/>
+              <a:rPr lang="fr-FR" noProof="0"/>
               <a:t>Troisième niveau</a:t>
             </a:r>
           </a:p>
           <a:p>
             <a:pPr lvl="3"/>
             <a:r>
-              <a:rPr lang="fr-FR" noProof="0" smtClean="0"/>
+              <a:rPr lang="fr-FR" noProof="0"/>
               <a:t>Quatrième niveau</a:t>
             </a:r>
           </a:p>
           <a:p>
             <a:pPr lvl="4"/>
             <a:r>
-              <a:rPr lang="fr-FR" noProof="0" smtClean="0"/>
+              <a:rPr lang="fr-FR" noProof="0"/>
               <a:t>Cinquième niveau</a:t>
             </a:r>
           </a:p>
@@ -934,10 +934,9 @@
           <a:lstStyle/>
           <a:p>
             <a:r>
-              <a:rPr lang="fr-FR" smtClean="0"/>
+              <a:rPr lang="fr-FR"/>
               <a:t>Cliquez pour modifier le style du titre</a:t>
             </a:r>
-            <a:endParaRPr lang="fr-FR"/>
           </a:p>
         </p:txBody>
       </p:sp>
@@ -999,10 +998,9 @@
           </a:lstStyle>
           <a:p>
             <a:r>
-              <a:rPr lang="fr-FR" smtClean="0"/>
+              <a:rPr lang="fr-FR"/>
               <a:t>Cliquez pour modifier le style des sous-titres du masque</a:t>
             </a:r>
-            <a:endParaRPr lang="fr-FR"/>
           </a:p>
         </p:txBody>
       </p:sp>
@@ -1057,10 +1055,9 @@
           <a:lstStyle/>
           <a:p>
             <a:r>
-              <a:rPr lang="fr-FR" smtClean="0"/>
+              <a:rPr lang="fr-FR"/>
               <a:t>Cliquez pour modifier le style du titre</a:t>
             </a:r>
-            <a:endParaRPr lang="fr-FR"/>
           </a:p>
         </p:txBody>
       </p:sp>
@@ -1086,38 +1083,37 @@
           <a:p>
             <a:pPr lvl="0"/>
             <a:r>
-              <a:rPr lang="fr-FR" smtClean="0"/>
+              <a:rPr lang="fr-FR"/>
               <a:t>Cliquez pour modifier les styles du texte du masque</a:t>
             </a:r>
           </a:p>
           <a:p>
             <a:pPr lvl="1"/>
             <a:r>
-              <a:rPr lang="fr-FR" smtClean="0"/>
+              <a:rPr lang="fr-FR"/>
               <a:t>Deuxième niveau</a:t>
             </a:r>
           </a:p>
           <a:p>
             <a:pPr lvl="2"/>
             <a:r>
-              <a:rPr lang="fr-FR" smtClean="0"/>
+              <a:rPr lang="fr-FR"/>
               <a:t>Troisième niveau</a:t>
             </a:r>
           </a:p>
           <a:p>
             <a:pPr lvl="3"/>
             <a:r>
-              <a:rPr lang="fr-FR" smtClean="0"/>
+              <a:rPr lang="fr-FR"/>
               <a:t>Quatrième niveau</a:t>
             </a:r>
           </a:p>
           <a:p>
             <a:pPr lvl="4"/>
             <a:r>
-              <a:rPr lang="fr-FR" smtClean="0"/>
+              <a:rPr lang="fr-FR"/>
               <a:t>Cinquième niveau</a:t>
             </a:r>
-            <a:endParaRPr lang="fr-FR"/>
           </a:p>
         </p:txBody>
       </p:sp>
@@ -1176,10 +1172,9 @@
           </a:lstStyle>
           <a:p>
             <a:r>
-              <a:rPr lang="fr-FR" dirty="0" smtClean="0"/>
+              <a:rPr lang="fr-FR" dirty="0"/>
               <a:t>Cliquez pour modifier le style du titre</a:t>
             </a:r>
-            <a:endParaRPr lang="fr-FR" dirty="0"/>
           </a:p>
         </p:txBody>
       </p:sp>
@@ -1205,38 +1200,37 @@
           <a:p>
             <a:pPr lvl="0"/>
             <a:r>
-              <a:rPr lang="fr-FR" dirty="0" smtClean="0"/>
+              <a:rPr lang="fr-FR" dirty="0"/>
               <a:t>Cliquez pour modifier les styles du texte du masque</a:t>
             </a:r>
           </a:p>
           <a:p>
             <a:pPr lvl="1"/>
             <a:r>
-              <a:rPr lang="fr-FR" dirty="0" smtClean="0"/>
+              <a:rPr lang="fr-FR" dirty="0"/>
               <a:t>Deuxième niveau</a:t>
             </a:r>
           </a:p>
           <a:p>
             <a:pPr lvl="2"/>
             <a:r>
-              <a:rPr lang="fr-FR" dirty="0" smtClean="0"/>
+              <a:rPr lang="fr-FR" dirty="0"/>
               <a:t>Troisième niveau</a:t>
             </a:r>
           </a:p>
           <a:p>
             <a:pPr lvl="3"/>
             <a:r>
-              <a:rPr lang="fr-FR" dirty="0" smtClean="0"/>
+              <a:rPr lang="fr-FR" dirty="0"/>
               <a:t>Quatrième niveau</a:t>
             </a:r>
           </a:p>
           <a:p>
             <a:pPr lvl="4"/>
             <a:r>
-              <a:rPr lang="fr-FR" dirty="0" smtClean="0"/>
+              <a:rPr lang="fr-FR" dirty="0"/>
               <a:t>Cinquième niveau</a:t>
             </a:r>
-            <a:endParaRPr lang="fr-FR" dirty="0"/>
           </a:p>
         </p:txBody>
       </p:sp>
@@ -1286,10 +1280,9 @@
           <a:lstStyle/>
           <a:p>
             <a:r>
-              <a:rPr lang="fr-FR" smtClean="0"/>
+              <a:rPr lang="fr-FR"/>
               <a:t>Cliquez pour modifier le style du titre</a:t>
             </a:r>
-            <a:endParaRPr lang="fr-FR"/>
           </a:p>
         </p:txBody>
       </p:sp>
@@ -1343,38 +1336,37 @@
           <a:p>
             <a:pPr lvl="0"/>
             <a:r>
-              <a:rPr lang="fr-FR" smtClean="0"/>
+              <a:rPr lang="fr-FR"/>
               <a:t>Cliquez pour modifier les styles du texte du masque</a:t>
             </a:r>
           </a:p>
           <a:p>
             <a:pPr lvl="1"/>
             <a:r>
-              <a:rPr lang="fr-FR" smtClean="0"/>
+              <a:rPr lang="fr-FR"/>
               <a:t>Deuxième niveau</a:t>
             </a:r>
           </a:p>
           <a:p>
             <a:pPr lvl="2"/>
             <a:r>
-              <a:rPr lang="fr-FR" smtClean="0"/>
+              <a:rPr lang="fr-FR"/>
               <a:t>Troisième niveau</a:t>
             </a:r>
           </a:p>
           <a:p>
             <a:pPr lvl="3"/>
             <a:r>
-              <a:rPr lang="fr-FR" smtClean="0"/>
+              <a:rPr lang="fr-FR"/>
               <a:t>Quatrième niveau</a:t>
             </a:r>
           </a:p>
           <a:p>
             <a:pPr lvl="4"/>
             <a:r>
-              <a:rPr lang="fr-FR" smtClean="0"/>
+              <a:rPr lang="fr-FR"/>
               <a:t>Cinquième niveau</a:t>
             </a:r>
-            <a:endParaRPr lang="fr-FR"/>
           </a:p>
         </p:txBody>
       </p:sp>
@@ -1428,38 +1420,37 @@
           <a:p>
             <a:pPr lvl="0"/>
             <a:r>
-              <a:rPr lang="fr-FR" smtClean="0"/>
+              <a:rPr lang="fr-FR"/>
               <a:t>Cliquez pour modifier les styles du texte du masque</a:t>
             </a:r>
           </a:p>
           <a:p>
             <a:pPr lvl="1"/>
             <a:r>
-              <a:rPr lang="fr-FR" smtClean="0"/>
+              <a:rPr lang="fr-FR"/>
               <a:t>Deuxième niveau</a:t>
             </a:r>
           </a:p>
           <a:p>
             <a:pPr lvl="2"/>
             <a:r>
-              <a:rPr lang="fr-FR" smtClean="0"/>
+              <a:rPr lang="fr-FR"/>
               <a:t>Troisième niveau</a:t>
             </a:r>
           </a:p>
           <a:p>
             <a:pPr lvl="3"/>
             <a:r>
-              <a:rPr lang="fr-FR" smtClean="0"/>
+              <a:rPr lang="fr-FR"/>
               <a:t>Quatrième niveau</a:t>
             </a:r>
           </a:p>
           <a:p>
             <a:pPr lvl="4"/>
             <a:r>
-              <a:rPr lang="fr-FR" smtClean="0"/>
+              <a:rPr lang="fr-FR"/>
               <a:t>Cinquième niveau</a:t>
             </a:r>
-            <a:endParaRPr lang="fr-FR"/>
           </a:p>
         </p:txBody>
       </p:sp>
@@ -1518,10 +1509,9 @@
           </a:lstStyle>
           <a:p>
             <a:r>
-              <a:rPr lang="fr-FR" smtClean="0"/>
+              <a:rPr lang="fr-FR"/>
               <a:t>Cliquez pour modifier le style du titre</a:t>
             </a:r>
-            <a:endParaRPr lang="fr-FR"/>
           </a:p>
         </p:txBody>
       </p:sp>
@@ -1584,7 +1574,7 @@
           <a:p>
             <a:pPr lvl="0"/>
             <a:r>
-              <a:rPr lang="fr-FR" smtClean="0"/>
+              <a:rPr lang="fr-FR"/>
               <a:t>Cliquez pour modifier les styles du texte du masque</a:t>
             </a:r>
           </a:p>
@@ -1640,38 +1630,37 @@
           <a:p>
             <a:pPr lvl="0"/>
             <a:r>
-              <a:rPr lang="fr-FR" smtClean="0"/>
+              <a:rPr lang="fr-FR"/>
               <a:t>Cliquez pour modifier les styles du texte du masque</a:t>
             </a:r>
           </a:p>
           <a:p>
             <a:pPr lvl="1"/>
             <a:r>
-              <a:rPr lang="fr-FR" smtClean="0"/>
+              <a:rPr lang="fr-FR"/>
               <a:t>Deuxième niveau</a:t>
             </a:r>
           </a:p>
           <a:p>
             <a:pPr lvl="2"/>
             <a:r>
-              <a:rPr lang="fr-FR" smtClean="0"/>
+              <a:rPr lang="fr-FR"/>
               <a:t>Troisième niveau</a:t>
             </a:r>
           </a:p>
           <a:p>
             <a:pPr lvl="3"/>
             <a:r>
-              <a:rPr lang="fr-FR" smtClean="0"/>
+              <a:rPr lang="fr-FR"/>
               <a:t>Quatrième niveau</a:t>
             </a:r>
           </a:p>
           <a:p>
             <a:pPr lvl="4"/>
             <a:r>
-              <a:rPr lang="fr-FR" smtClean="0"/>
+              <a:rPr lang="fr-FR"/>
               <a:t>Cinquième niveau</a:t>
             </a:r>
-            <a:endParaRPr lang="fr-FR"/>
           </a:p>
         </p:txBody>
       </p:sp>
@@ -1734,7 +1723,7 @@
           <a:p>
             <a:pPr lvl="0"/>
             <a:r>
-              <a:rPr lang="fr-FR" smtClean="0"/>
+              <a:rPr lang="fr-FR"/>
               <a:t>Cliquez pour modifier les styles du texte du masque</a:t>
             </a:r>
           </a:p>
@@ -1790,38 +1779,37 @@
           <a:p>
             <a:pPr lvl="0"/>
             <a:r>
-              <a:rPr lang="fr-FR" smtClean="0"/>
+              <a:rPr lang="fr-FR"/>
               <a:t>Cliquez pour modifier les styles du texte du masque</a:t>
             </a:r>
           </a:p>
           <a:p>
             <a:pPr lvl="1"/>
             <a:r>
-              <a:rPr lang="fr-FR" smtClean="0"/>
+              <a:rPr lang="fr-FR"/>
               <a:t>Deuxième niveau</a:t>
             </a:r>
           </a:p>
           <a:p>
             <a:pPr lvl="2"/>
             <a:r>
-              <a:rPr lang="fr-FR" smtClean="0"/>
+              <a:rPr lang="fr-FR"/>
               <a:t>Troisième niveau</a:t>
             </a:r>
           </a:p>
           <a:p>
             <a:pPr lvl="3"/>
             <a:r>
-              <a:rPr lang="fr-FR" smtClean="0"/>
+              <a:rPr lang="fr-FR"/>
               <a:t>Quatrième niveau</a:t>
             </a:r>
           </a:p>
           <a:p>
             <a:pPr lvl="4"/>
             <a:r>
-              <a:rPr lang="fr-FR" smtClean="0"/>
+              <a:rPr lang="fr-FR"/>
               <a:t>Cinquième niveau</a:t>
             </a:r>
-            <a:endParaRPr lang="fr-FR"/>
           </a:p>
         </p:txBody>
       </p:sp>
@@ -1871,10 +1859,9 @@
           <a:lstStyle/>
           <a:p>
             <a:r>
-              <a:rPr lang="fr-FR" smtClean="0"/>
+              <a:rPr lang="fr-FR"/>
               <a:t>Cliquez pour modifier le style du titre</a:t>
             </a:r>
-            <a:endParaRPr lang="fr-FR"/>
           </a:p>
         </p:txBody>
       </p:sp>
@@ -1963,10 +1950,9 @@
           </a:lstStyle>
           <a:p>
             <a:r>
-              <a:rPr lang="fr-FR" smtClean="0"/>
+              <a:rPr lang="fr-FR"/>
               <a:t>Cliquez pour modifier le style du titre</a:t>
             </a:r>
-            <a:endParaRPr lang="fr-FR"/>
           </a:p>
         </p:txBody>
       </p:sp>
@@ -2020,38 +2006,37 @@
           <a:p>
             <a:pPr lvl="0"/>
             <a:r>
-              <a:rPr lang="fr-FR" smtClean="0"/>
+              <a:rPr lang="fr-FR"/>
               <a:t>Cliquez pour modifier les styles du texte du masque</a:t>
             </a:r>
           </a:p>
           <a:p>
             <a:pPr lvl="1"/>
             <a:r>
-              <a:rPr lang="fr-FR" smtClean="0"/>
+              <a:rPr lang="fr-FR"/>
               <a:t>Deuxième niveau</a:t>
             </a:r>
           </a:p>
           <a:p>
             <a:pPr lvl="2"/>
             <a:r>
-              <a:rPr lang="fr-FR" smtClean="0"/>
+              <a:rPr lang="fr-FR"/>
               <a:t>Troisième niveau</a:t>
             </a:r>
           </a:p>
           <a:p>
             <a:pPr lvl="3"/>
             <a:r>
-              <a:rPr lang="fr-FR" smtClean="0"/>
+              <a:rPr lang="fr-FR"/>
               <a:t>Quatrième niveau</a:t>
             </a:r>
           </a:p>
           <a:p>
             <a:pPr lvl="4"/>
             <a:r>
-              <a:rPr lang="fr-FR" smtClean="0"/>
+              <a:rPr lang="fr-FR"/>
               <a:t>Cinquième niveau</a:t>
             </a:r>
-            <a:endParaRPr lang="fr-FR"/>
           </a:p>
         </p:txBody>
       </p:sp>
@@ -2114,7 +2099,7 @@
           <a:p>
             <a:pPr lvl="0"/>
             <a:r>
-              <a:rPr lang="fr-FR" smtClean="0"/>
+              <a:rPr lang="fr-FR"/>
               <a:t>Cliquez pour modifier les styles du texte du masque</a:t>
             </a:r>
           </a:p>
@@ -2175,10 +2160,9 @@
           </a:lstStyle>
           <a:p>
             <a:r>
-              <a:rPr lang="fr-FR" smtClean="0"/>
+              <a:rPr lang="fr-FR"/>
               <a:t>Cliquez pour modifier le style du titre</a:t>
             </a:r>
-            <a:endParaRPr lang="fr-FR"/>
           </a:p>
         </p:txBody>
       </p:sp>
@@ -2240,7 +2224,7 @@
           </a:lstStyle>
           <a:p>
             <a:pPr lvl="0"/>
-            <a:endParaRPr lang="fr-FR" noProof="0" smtClean="0"/>
+            <a:endParaRPr lang="fr-FR" noProof="0"/>
           </a:p>
         </p:txBody>
       </p:sp>
@@ -2303,7 +2287,7 @@
           <a:p>
             <a:pPr lvl="0"/>
             <a:r>
-              <a:rPr lang="fr-FR" smtClean="0"/>
+              <a:rPr lang="fr-FR"/>
               <a:t>Cliquez pour modifier les styles du texte du masque</a:t>
             </a:r>
           </a:p>
@@ -2355,10 +2339,9 @@
           <a:lstStyle/>
           <a:p>
             <a:r>
-              <a:rPr lang="fr-FR" smtClean="0"/>
+              <a:rPr lang="fr-FR"/>
               <a:t>Cliquez pour modifier le style du titre</a:t>
             </a:r>
-            <a:endParaRPr lang="fr-FR"/>
           </a:p>
         </p:txBody>
       </p:sp>
@@ -2379,38 +2362,37 @@
           <a:p>
             <a:pPr lvl="0"/>
             <a:r>
-              <a:rPr lang="fr-FR" smtClean="0"/>
+              <a:rPr lang="fr-FR"/>
               <a:t>Cliquez pour modifier les styles du texte du masque</a:t>
             </a:r>
           </a:p>
           <a:p>
             <a:pPr lvl="1"/>
             <a:r>
-              <a:rPr lang="fr-FR" smtClean="0"/>
+              <a:rPr lang="fr-FR"/>
               <a:t>Deuxième niveau</a:t>
             </a:r>
           </a:p>
           <a:p>
             <a:pPr lvl="2"/>
             <a:r>
-              <a:rPr lang="fr-FR" smtClean="0"/>
+              <a:rPr lang="fr-FR"/>
               <a:t>Troisième niveau</a:t>
             </a:r>
           </a:p>
           <a:p>
             <a:pPr lvl="3"/>
             <a:r>
-              <a:rPr lang="fr-FR" smtClean="0"/>
+              <a:rPr lang="fr-FR"/>
               <a:t>Quatrième niveau</a:t>
             </a:r>
           </a:p>
           <a:p>
             <a:pPr lvl="4"/>
             <a:r>
-              <a:rPr lang="fr-FR" smtClean="0"/>
+              <a:rPr lang="fr-FR"/>
               <a:t>Cinquième niveau</a:t>
             </a:r>
-            <a:endParaRPr lang="fr-FR"/>
           </a:p>
         </p:txBody>
       </p:sp>
@@ -2591,7 +2573,7 @@
             <a:pPr eaLnBrk="1" hangingPunct="1">
               <a:defRPr/>
             </a:pPr>
-            <a:endParaRPr lang="fr-FR" altLang="fr-FR" smtClean="0"/>
+            <a:endParaRPr lang="fr-FR" altLang="fr-FR"/>
           </a:p>
         </p:txBody>
       </p:sp>
@@ -2745,7 +2727,7 @@
               <a:defRPr/>
             </a:pPr>
             <a:r>
-              <a:rPr lang="fr-FR" sz="1200" dirty="0" smtClean="0"/>
+              <a:rPr lang="fr-FR" sz="1200" dirty="0"/>
               <a:t>Page </a:t>
             </a:r>
             <a:fld id="{E218E9B1-FD08-4C80-902E-210BA2967D0D}" type="slidenum">
@@ -2758,7 +2740,7 @@
               </a:pPr>
               <a:t>‹N°›</a:t>
             </a:fld>
-            <a:endParaRPr lang="fr-FR" dirty="0" smtClean="0">
+            <a:endParaRPr lang="fr-FR" dirty="0">
               <a:latin typeface="Times New Roman" pitchFamily="18" charset="0"/>
             </a:endParaRPr>
           </a:p>
@@ -2914,10 +2896,10 @@
               <a:defRPr/>
             </a:pPr>
             <a:r>
-              <a:rPr lang="fr-FR" sz="1600" dirty="0" err="1" smtClean="0"/>
+              <a:rPr lang="fr-FR" sz="1600" dirty="0" err="1"/>
               <a:t>IoT</a:t>
             </a:r>
-            <a:endParaRPr lang="fr-FR" dirty="0" smtClean="0">
+            <a:endParaRPr lang="fr-FR" dirty="0">
               <a:latin typeface="Times New Roman" pitchFamily="18" charset="0"/>
             </a:endParaRPr>
           </a:p>
@@ -2975,7 +2957,7 @@
           <a:p>
             <a:pPr lvl="0"/>
             <a:r>
-              <a:rPr lang="fr-FR" altLang="fr-FR" smtClean="0"/>
+              <a:rPr lang="fr-FR" altLang="fr-FR"/>
               <a:t>Cliquez pour modifier le style du titre du masque</a:t>
             </a:r>
           </a:p>
@@ -3033,35 +3015,35 @@
           <a:p>
             <a:pPr lvl="0"/>
             <a:r>
-              <a:rPr lang="fr-FR" altLang="fr-FR" smtClean="0"/>
+              <a:rPr lang="fr-FR" altLang="fr-FR"/>
               <a:t>Cliquez pour modifier les styles du texte du masque</a:t>
             </a:r>
           </a:p>
           <a:p>
             <a:pPr lvl="1"/>
             <a:r>
-              <a:rPr lang="fr-FR" altLang="fr-FR" smtClean="0"/>
+              <a:rPr lang="fr-FR" altLang="fr-FR"/>
               <a:t>Deuxième niveau</a:t>
             </a:r>
           </a:p>
           <a:p>
             <a:pPr lvl="2"/>
             <a:r>
-              <a:rPr lang="fr-FR" altLang="fr-FR" smtClean="0"/>
+              <a:rPr lang="fr-FR" altLang="fr-FR"/>
               <a:t>Troisième niveau</a:t>
             </a:r>
           </a:p>
           <a:p>
             <a:pPr lvl="3"/>
             <a:r>
-              <a:rPr lang="fr-FR" altLang="fr-FR" smtClean="0"/>
+              <a:rPr lang="fr-FR" altLang="fr-FR"/>
               <a:t>Quatrième niveau</a:t>
             </a:r>
           </a:p>
           <a:p>
             <a:pPr lvl="4"/>
             <a:r>
-              <a:rPr lang="fr-FR" altLang="fr-FR" smtClean="0"/>
+              <a:rPr lang="fr-FR" altLang="fr-FR"/>
               <a:t>Cinquième niveau</a:t>
             </a:r>
           </a:p>
@@ -3217,10 +3199,10 @@
               <a:defRPr/>
             </a:pPr>
             <a:r>
-              <a:rPr lang="fr-FR" sz="1200" smtClean="0"/>
+              <a:rPr lang="fr-FR" sz="1200"/>
               <a:t>© Cyril Vincent Conseil</a:t>
             </a:r>
-            <a:endParaRPr lang="fr-FR" smtClean="0">
+            <a:endParaRPr lang="fr-FR">
               <a:latin typeface="Times New Roman" pitchFamily="18" charset="0"/>
             </a:endParaRPr>
           </a:p>
@@ -3707,10 +3689,10 @@
           <a:p>
             <a:pPr eaLnBrk="1" hangingPunct="1"/>
             <a:r>
-              <a:rPr lang="fr-FR" altLang="fr-FR" dirty="0" err="1" smtClean="0"/>
+              <a:rPr lang="fr-FR" altLang="fr-FR" dirty="0" err="1"/>
               <a:t>IoT</a:t>
             </a:r>
-            <a:endParaRPr lang="fr-FR" altLang="fr-FR" dirty="0" smtClean="0"/>
+            <a:endParaRPr lang="fr-FR" altLang="fr-FR" dirty="0"/>
           </a:p>
           <a:p>
             <a:pPr eaLnBrk="1" hangingPunct="1"/>
@@ -3719,25 +3701,25 @@
           <a:p>
             <a:pPr eaLnBrk="1" hangingPunct="1"/>
             <a:r>
-              <a:rPr lang="fr-FR" altLang="fr-FR" dirty="0" smtClean="0"/>
+              <a:rPr lang="fr-FR" altLang="fr-FR" dirty="0"/>
               <a:t>Chapitre 3</a:t>
             </a:r>
           </a:p>
           <a:p>
             <a:pPr eaLnBrk="1" hangingPunct="1"/>
             <a:r>
-              <a:rPr lang="fr-FR" altLang="fr-FR" dirty="0" smtClean="0"/>
+              <a:rPr lang="fr-FR" altLang="fr-FR" dirty="0"/>
               <a:t>Mise en </a:t>
             </a:r>
             <a:r>
-              <a:rPr lang="fr-FR" altLang="fr-FR" dirty="0" err="1" smtClean="0"/>
+              <a:rPr lang="fr-FR" altLang="fr-FR" dirty="0" err="1"/>
               <a:t>oeuvre</a:t>
             </a:r>
-            <a:endParaRPr lang="fr-FR" altLang="fr-FR" dirty="0" smtClean="0"/>
+            <a:endParaRPr lang="fr-FR" altLang="fr-FR" dirty="0"/>
           </a:p>
           <a:p>
             <a:pPr eaLnBrk="1" hangingPunct="1"/>
-            <a:endParaRPr lang="fr-FR" altLang="fr-FR" dirty="0" smtClean="0"/>
+            <a:endParaRPr lang="fr-FR" altLang="fr-FR" dirty="0"/>
           </a:p>
         </p:txBody>
       </p:sp>
@@ -3770,13 +3752,6 @@
   <p:clrMapOvr>
     <a:masterClrMapping/>
   </p:clrMapOvr>
-  <p:timing>
-    <p:tnLst>
-      <p:par>
-        <p:cTn id="1" dur="indefinite" restart="never" nodeType="tmRoot"/>
-      </p:par>
-    </p:tnLst>
-  </p:timing>
 </p:sld>
 </file>
 
@@ -3813,10 +3788,9 @@
           <a:lstStyle/>
           <a:p>
             <a:r>
-              <a:rPr lang="fr-FR" dirty="0" smtClean="0"/>
+              <a:rPr lang="fr-FR" dirty="0"/>
               <a:t>I/O Numérique</a:t>
             </a:r>
-            <a:endParaRPr lang="fr-FR" dirty="0"/>
           </a:p>
         </p:txBody>
       </p:sp>
@@ -3836,69 +3810,69 @@
           <a:lstStyle/>
           <a:p>
             <a:r>
-              <a:rPr lang="fr-FR" dirty="0" smtClean="0"/>
+              <a:rPr lang="fr-FR" dirty="0"/>
               <a:t>Exemple de sortie numérique</a:t>
             </a:r>
           </a:p>
           <a:p>
             <a:pPr lvl="1"/>
             <a:r>
-              <a:rPr lang="fr-FR" dirty="0" smtClean="0"/>
+              <a:rPr lang="fr-FR" dirty="0"/>
               <a:t>Une </a:t>
             </a:r>
             <a:r>
-              <a:rPr lang="fr-FR" dirty="0" err="1" smtClean="0"/>
+              <a:rPr lang="fr-FR" dirty="0" err="1"/>
               <a:t>led</a:t>
             </a:r>
             <a:r>
-              <a:rPr lang="fr-FR" dirty="0" smtClean="0"/>
+              <a:rPr lang="fr-FR" dirty="0"/>
               <a:t> on / off</a:t>
             </a:r>
           </a:p>
           <a:p>
             <a:pPr lvl="1"/>
             <a:r>
-              <a:rPr lang="fr-FR" dirty="0" smtClean="0"/>
+              <a:rPr lang="fr-FR" dirty="0"/>
               <a:t>Un relais de puissance</a:t>
             </a:r>
           </a:p>
           <a:p>
             <a:pPr lvl="1"/>
             <a:r>
-              <a:rPr lang="fr-FR" dirty="0" smtClean="0"/>
+              <a:rPr lang="fr-FR" dirty="0"/>
               <a:t>Un port série</a:t>
             </a:r>
           </a:p>
           <a:p>
             <a:pPr lvl="1"/>
             <a:r>
-              <a:rPr lang="fr-FR" dirty="0" smtClean="0"/>
+              <a:rPr lang="fr-FR" dirty="0"/>
               <a:t>…</a:t>
             </a:r>
           </a:p>
           <a:p>
             <a:r>
-              <a:rPr lang="fr-FR" dirty="0" smtClean="0"/>
+              <a:rPr lang="fr-FR" dirty="0"/>
               <a:t>Exemple d'entrée numérique</a:t>
             </a:r>
           </a:p>
           <a:p>
             <a:pPr lvl="1"/>
             <a:r>
-              <a:rPr lang="fr-FR" dirty="0" smtClean="0"/>
+              <a:rPr lang="fr-FR" dirty="0"/>
               <a:t>Un bouton poussoir</a:t>
             </a:r>
           </a:p>
           <a:p>
             <a:pPr lvl="1"/>
             <a:r>
-              <a:rPr lang="fr-FR" dirty="0" smtClean="0"/>
+              <a:rPr lang="fr-FR" dirty="0"/>
               <a:t>Un capteur numérique</a:t>
             </a:r>
           </a:p>
           <a:p>
             <a:pPr lvl="1"/>
-            <a:endParaRPr lang="fr-FR" dirty="0" smtClean="0"/>
+            <a:endParaRPr lang="fr-FR" dirty="0"/>
           </a:p>
           <a:p>
             <a:pPr lvl="1"/>
@@ -3952,10 +3926,9 @@
           <a:lstStyle/>
           <a:p>
             <a:r>
-              <a:rPr lang="fr-FR" dirty="0" smtClean="0"/>
+              <a:rPr lang="fr-FR" dirty="0"/>
               <a:t>Données numériques en série</a:t>
             </a:r>
-            <a:endParaRPr lang="fr-FR" dirty="0"/>
           </a:p>
         </p:txBody>
       </p:sp>
@@ -3975,36 +3948,35 @@
           <a:lstStyle/>
           <a:p>
             <a:r>
-              <a:rPr lang="fr-FR" dirty="0" smtClean="0"/>
+              <a:rPr lang="fr-FR" dirty="0"/>
               <a:t>Les I/O numériques nécessitent l'échange de données en série</a:t>
             </a:r>
           </a:p>
           <a:p>
             <a:pPr lvl="1"/>
             <a:r>
-              <a:rPr lang="fr-FR" dirty="0" smtClean="0"/>
+              <a:rPr lang="fr-FR" dirty="0"/>
               <a:t>Si le débit est rapide nécessité d'une communication série avec un </a:t>
             </a:r>
             <a:r>
-              <a:rPr lang="fr-FR" dirty="0" err="1" smtClean="0"/>
+              <a:rPr lang="fr-FR" dirty="0" err="1"/>
               <a:t>baudrate</a:t>
             </a:r>
-            <a:endParaRPr lang="fr-FR" dirty="0" smtClean="0"/>
+            <a:endParaRPr lang="fr-FR" dirty="0"/>
           </a:p>
           <a:p>
             <a:pPr lvl="1"/>
             <a:r>
-              <a:rPr lang="fr-FR" dirty="0" smtClean="0"/>
+              <a:rPr lang="fr-FR" dirty="0"/>
               <a:t>Présence d'un UART</a:t>
             </a:r>
           </a:p>
           <a:p>
             <a:pPr lvl="1"/>
             <a:r>
-              <a:rPr lang="fr-FR" dirty="0" smtClean="0"/>
+              <a:rPr lang="fr-FR" dirty="0"/>
               <a:t>Présence d'un Bus</a:t>
             </a:r>
-            <a:endParaRPr lang="fr-FR" dirty="0"/>
           </a:p>
         </p:txBody>
       </p:sp>
@@ -4054,7 +4026,7 @@
           <a:lstStyle/>
           <a:p>
             <a:r>
-              <a:rPr lang="fr-FR" dirty="0" err="1" smtClean="0"/>
+              <a:rPr lang="fr-FR" dirty="0" err="1"/>
               <a:t>Tinkercad</a:t>
             </a:r>
             <a:endParaRPr lang="fr-FR" dirty="0"/>
@@ -4077,10 +4049,15 @@
           <a:lstStyle/>
           <a:p>
             <a:r>
-              <a:rPr lang="fr-FR" dirty="0" smtClean="0"/>
+              <a:rPr lang="fr-FR" dirty="0"/>
               <a:t>Permet de simuler un circuit électronique en ligne</a:t>
             </a:r>
-            <a:endParaRPr lang="fr-FR" dirty="0"/>
+          </a:p>
+          <a:p>
+            <a:r>
+              <a:rPr lang="fr-FR" dirty="0"/>
+              <a:t>Tinkercad.com</a:t>
+            </a:r>
           </a:p>
         </p:txBody>
       </p:sp>
@@ -4154,10 +4131,9 @@
           <a:lstStyle/>
           <a:p>
             <a:r>
-              <a:rPr lang="fr-FR" dirty="0" smtClean="0"/>
+              <a:rPr lang="fr-FR" dirty="0"/>
               <a:t>UART</a:t>
             </a:r>
-            <a:endParaRPr lang="fr-FR" dirty="0"/>
           </a:p>
         </p:txBody>
       </p:sp>
@@ -4177,21 +4153,21 @@
           <a:lstStyle/>
           <a:p>
             <a:r>
-              <a:rPr lang="fr-FR" dirty="0" smtClean="0"/>
+              <a:rPr lang="fr-FR" dirty="0"/>
               <a:t>L'</a:t>
             </a:r>
             <a:r>
-              <a:rPr lang="fr-FR" dirty="0" err="1" smtClean="0"/>
+              <a:rPr lang="fr-FR" dirty="0" err="1"/>
               <a:t>Arduino</a:t>
             </a:r>
             <a:r>
-              <a:rPr lang="fr-FR" dirty="0" smtClean="0"/>
+              <a:rPr lang="fr-FR" dirty="0"/>
               <a:t> peut communiquer en liaison série</a:t>
             </a:r>
           </a:p>
           <a:p>
             <a:r>
-              <a:rPr lang="fr-FR" dirty="0" smtClean="0"/>
+              <a:rPr lang="fr-FR" dirty="0"/>
               <a:t>UART hardware sur I/O Numérique Rx1 / Tx2</a:t>
             </a:r>
           </a:p>
@@ -4221,28 +4197,23 @@
               <a:rPr lang="fr-FR" dirty="0" err="1"/>
               <a:t>Transmitter</a:t>
             </a:r>
-            <a:endParaRPr lang="fr-FR" dirty="0" smtClean="0"/>
-          </a:p>
-          <a:p>
-            <a:r>
-              <a:rPr lang="fr-FR" dirty="0" err="1" smtClean="0"/>
+            <a:endParaRPr lang="fr-FR" dirty="0"/>
+          </a:p>
+          <a:p>
+            <a:r>
+              <a:rPr lang="fr-FR" dirty="0" err="1"/>
               <a:t>Baudrate</a:t>
             </a:r>
             <a:r>
-              <a:rPr lang="fr-FR" dirty="0" smtClean="0"/>
+              <a:rPr lang="fr-FR" dirty="0"/>
               <a:t> par défaut 9600</a:t>
             </a:r>
           </a:p>
           <a:p>
             <a:r>
-              <a:rPr lang="fr-FR" dirty="0" smtClean="0"/>
-              <a:t>Possibilité d'avoir d'autres port série </a:t>
-            </a:r>
-            <a:r>
-              <a:rPr lang="fr-FR" dirty="0" err="1" smtClean="0"/>
-              <a:t>sofware</a:t>
-            </a:r>
-            <a:endParaRPr lang="fr-FR" dirty="0" smtClean="0"/>
+              <a:rPr lang="fr-FR" dirty="0"/>
+              <a:t>Possibilité d'avoir d'autres port série software</a:t>
+            </a:r>
           </a:p>
           <a:p>
             <a:endParaRPr lang="fr-FR" dirty="0"/>
@@ -4336,10 +4307,9 @@
           <a:lstStyle/>
           <a:p>
             <a:r>
-              <a:rPr lang="fr-FR" dirty="0" smtClean="0"/>
+              <a:rPr lang="fr-FR" dirty="0"/>
               <a:t>Bus</a:t>
             </a:r>
-            <a:endParaRPr lang="fr-FR" dirty="0"/>
           </a:p>
         </p:txBody>
       </p:sp>
@@ -4359,82 +4329,82 @@
           <a:lstStyle/>
           <a:p>
             <a:r>
-              <a:rPr lang="fr-FR" sz="2400" dirty="0" smtClean="0"/>
+              <a:rPr lang="fr-FR" sz="2400" dirty="0"/>
               <a:t>Permet de géré plusieurs I/O sans s'occuper de l'adressage</a:t>
             </a:r>
           </a:p>
           <a:p>
             <a:r>
-              <a:rPr lang="fr-FR" sz="2400" dirty="0" smtClean="0"/>
+              <a:rPr lang="fr-FR" sz="2400" dirty="0"/>
               <a:t>L'</a:t>
             </a:r>
             <a:r>
-              <a:rPr lang="fr-FR" sz="2400" dirty="0" err="1" smtClean="0"/>
+              <a:rPr lang="fr-FR" sz="2400" dirty="0" err="1"/>
               <a:t>Arduino</a:t>
             </a:r>
             <a:r>
-              <a:rPr lang="fr-FR" sz="2400" dirty="0" smtClean="0"/>
+              <a:rPr lang="fr-FR" sz="2400" dirty="0"/>
               <a:t> possède plusieurs protocoles de bus</a:t>
             </a:r>
           </a:p>
           <a:p>
             <a:r>
-              <a:rPr lang="fr-FR" sz="2400" dirty="0" smtClean="0"/>
+              <a:rPr lang="fr-FR" sz="2400" dirty="0"/>
               <a:t>SPI</a:t>
             </a:r>
           </a:p>
           <a:p>
             <a:pPr lvl="1"/>
             <a:r>
-              <a:rPr lang="fr-FR" sz="2000" dirty="0" smtClean="0"/>
+              <a:rPr lang="fr-FR" sz="2000" dirty="0"/>
               <a:t>Rapide 4Mbits/s uniquement en interne ou avec les </a:t>
             </a:r>
             <a:r>
-              <a:rPr lang="fr-FR" sz="2000" dirty="0" err="1" smtClean="0"/>
+              <a:rPr lang="fr-FR" sz="2000" dirty="0" err="1"/>
               <a:t>shields</a:t>
             </a:r>
-            <a:endParaRPr lang="fr-FR" sz="2000" dirty="0" smtClean="0"/>
-          </a:p>
-          <a:p>
-            <a:r>
-              <a:rPr lang="fr-FR" sz="2400" dirty="0" smtClean="0"/>
+            <a:endParaRPr lang="fr-FR" sz="2000" dirty="0"/>
+          </a:p>
+          <a:p>
+            <a:r>
+              <a:rPr lang="fr-FR" sz="2400" dirty="0"/>
               <a:t>I2C</a:t>
             </a:r>
           </a:p>
           <a:p>
             <a:pPr lvl="1"/>
             <a:r>
-              <a:rPr lang="fr-FR" sz="2000" dirty="0" smtClean="0"/>
+              <a:rPr lang="fr-FR" sz="2000" dirty="0"/>
               <a:t>100Kbits/s, simple</a:t>
             </a:r>
           </a:p>
           <a:p>
             <a:r>
-              <a:rPr lang="fr-FR" sz="2400" dirty="0" smtClean="0"/>
+              <a:rPr lang="fr-FR" sz="2400" dirty="0"/>
               <a:t>Ethernet</a:t>
             </a:r>
           </a:p>
           <a:p>
             <a:pPr lvl="1"/>
             <a:r>
-              <a:rPr lang="fr-FR" sz="2000" dirty="0" smtClean="0"/>
+              <a:rPr lang="fr-FR" sz="2000" dirty="0"/>
               <a:t>10Mbits/s, complexe</a:t>
             </a:r>
           </a:p>
           <a:p>
             <a:r>
-              <a:rPr lang="fr-FR" sz="2400" dirty="0" smtClean="0"/>
+              <a:rPr lang="fr-FR" sz="2400" dirty="0"/>
               <a:t>CAN</a:t>
             </a:r>
           </a:p>
           <a:p>
             <a:pPr lvl="1"/>
             <a:r>
-              <a:rPr lang="fr-FR" sz="2000" dirty="0" smtClean="0"/>
+              <a:rPr lang="fr-FR" sz="2000" dirty="0"/>
               <a:t>Nécessite un extension, très performant dans la communication entre </a:t>
             </a:r>
             <a:r>
-              <a:rPr lang="fr-FR" sz="2000" dirty="0" err="1" smtClean="0"/>
+              <a:rPr lang="fr-FR" sz="2000" dirty="0" err="1"/>
               <a:t>Arduino</a:t>
             </a:r>
             <a:endParaRPr lang="fr-FR" sz="2000" dirty="0"/>
@@ -4487,10 +4457,9 @@
           <a:lstStyle/>
           <a:p>
             <a:r>
-              <a:rPr lang="fr-FR" dirty="0" smtClean="0"/>
+              <a:rPr lang="fr-FR" dirty="0"/>
               <a:t>Montage complet du TP</a:t>
             </a:r>
-            <a:endParaRPr lang="fr-FR" dirty="0"/>
           </a:p>
         </p:txBody>
       </p:sp>
@@ -4559,10 +4528,9 @@
           <a:lstStyle/>
           <a:p>
             <a:r>
-              <a:rPr lang="fr-FR" dirty="0" smtClean="0"/>
+              <a:rPr lang="fr-FR" dirty="0"/>
               <a:t>Branchements</a:t>
             </a:r>
-            <a:endParaRPr lang="fr-FR" dirty="0"/>
           </a:p>
         </p:txBody>
       </p:sp>
@@ -4653,10 +4621,9 @@
           <a:lstStyle/>
           <a:p>
             <a:r>
-              <a:rPr lang="fr-FR" dirty="0" smtClean="0"/>
+              <a:rPr lang="fr-FR" dirty="0"/>
               <a:t>Attention</a:t>
             </a:r>
-            <a:endParaRPr lang="fr-FR" dirty="0"/>
           </a:p>
         </p:txBody>
       </p:sp>
@@ -4676,48 +4643,48 @@
           <a:lstStyle/>
           <a:p>
             <a:r>
-              <a:rPr lang="fr-FR" dirty="0" smtClean="0"/>
+              <a:rPr lang="fr-FR" dirty="0"/>
               <a:t>Bien faire attention aux voltage et à l'intensité</a:t>
             </a:r>
           </a:p>
           <a:p>
             <a:r>
-              <a:rPr lang="fr-FR" dirty="0" smtClean="0"/>
+              <a:rPr lang="fr-FR" dirty="0"/>
               <a:t>Loi de Ohm : U = R.I</a:t>
             </a:r>
           </a:p>
           <a:p>
             <a:r>
-              <a:rPr lang="fr-FR" dirty="0" smtClean="0"/>
+              <a:rPr lang="fr-FR" dirty="0"/>
               <a:t>Effet Joule : P = U.I</a:t>
             </a:r>
           </a:p>
           <a:p>
             <a:r>
-              <a:rPr lang="fr-FR" dirty="0" smtClean="0"/>
+              <a:rPr lang="fr-FR" dirty="0"/>
               <a:t>Par exemple </a:t>
             </a:r>
             <a:r>
-              <a:rPr lang="fr-FR" dirty="0" err="1" smtClean="0"/>
+              <a:rPr lang="fr-FR" dirty="0" err="1"/>
               <a:t>Pmax</a:t>
             </a:r>
             <a:r>
-              <a:rPr lang="fr-FR" dirty="0" smtClean="0"/>
+              <a:rPr lang="fr-FR" dirty="0"/>
               <a:t> = 0.41W</a:t>
             </a:r>
           </a:p>
           <a:p>
             <a:pPr lvl="1"/>
             <a:r>
-              <a:rPr lang="fr-FR" dirty="0" smtClean="0"/>
+              <a:rPr lang="fr-FR" dirty="0"/>
               <a:t>Pour 9V, Imax = </a:t>
             </a:r>
             <a:r>
-              <a:rPr lang="fr-FR" dirty="0" err="1" smtClean="0"/>
+              <a:rPr lang="fr-FR" dirty="0" err="1"/>
               <a:t>Pmax</a:t>
             </a:r>
             <a:r>
-              <a:rPr lang="fr-FR" dirty="0" smtClean="0"/>
+              <a:rPr lang="fr-FR" dirty="0"/>
               <a:t> / U, Imax = 45mA </a:t>
             </a:r>
           </a:p>
@@ -4769,10 +4736,9 @@
           <a:lstStyle/>
           <a:p>
             <a:r>
-              <a:rPr lang="fr-FR" dirty="0" smtClean="0"/>
+              <a:rPr lang="fr-FR" dirty="0"/>
               <a:t>Calcul d'une résistance</a:t>
             </a:r>
-            <a:endParaRPr lang="fr-FR" dirty="0"/>
           </a:p>
         </p:txBody>
       </p:sp>
@@ -4792,27 +4758,27 @@
           <a:lstStyle/>
           <a:p>
             <a:r>
-              <a:rPr lang="fr-FR" dirty="0" smtClean="0"/>
+              <a:rPr lang="fr-FR" dirty="0"/>
               <a:t>Si vous branchez une LED directement sur le 5V est brule !!</a:t>
             </a:r>
           </a:p>
           <a:p>
             <a:r>
-              <a:rPr lang="fr-FR" dirty="0" smtClean="0"/>
+              <a:rPr lang="fr-FR" dirty="0"/>
               <a:t>Il faut donc une résistance</a:t>
             </a:r>
           </a:p>
           <a:p>
             <a:r>
-              <a:rPr lang="fr-FR" dirty="0" smtClean="0"/>
+              <a:rPr lang="fr-FR" dirty="0"/>
               <a:t>Spécifications de la </a:t>
             </a:r>
             <a:r>
-              <a:rPr lang="fr-FR" dirty="0" err="1" smtClean="0"/>
+              <a:rPr lang="fr-FR" dirty="0" err="1"/>
               <a:t>Led</a:t>
             </a:r>
             <a:r>
-              <a:rPr lang="fr-FR" dirty="0" smtClean="0"/>
+              <a:rPr lang="fr-FR" dirty="0"/>
               <a:t> :</a:t>
             </a:r>
           </a:p>
@@ -4820,112 +4786,96 @@
             <a:pPr lvl="1"/>
             <a:r>
               <a:rPr lang="fr-FR" dirty="0" err="1"/>
-              <a:t>L</a:t>
-            </a:r>
-            <a:r>
-              <a:rPr lang="fr-FR" dirty="0" err="1" smtClean="0"/>
-              <a:t>ed</a:t>
-            </a:r>
-            <a:r>
-              <a:rPr lang="fr-FR" dirty="0" smtClean="0"/>
-              <a:t> </a:t>
-            </a:r>
-            <a:r>
-              <a:rPr lang="fr-FR" dirty="0"/>
-              <a:t>CMS rouge (</a:t>
-            </a:r>
-            <a:r>
-              <a:rPr lang="fr-FR" dirty="0" err="1" smtClean="0"/>
+              <a:t>Led</a:t>
+            </a:r>
+            <a:r>
+              <a:rPr lang="fr-FR" dirty="0"/>
+              <a:t> CMS rouge (</a:t>
+            </a:r>
+            <a:r>
+              <a:rPr lang="fr-FR" dirty="0" err="1"/>
               <a:t>Ui</a:t>
             </a:r>
             <a:r>
-              <a:rPr lang="fr-FR" dirty="0" smtClean="0"/>
-              <a:t> = 2.2v </a:t>
-            </a:r>
-            <a:r>
-              <a:rPr lang="fr-FR" dirty="0"/>
-              <a:t>; </a:t>
-            </a:r>
-            <a:r>
-              <a:rPr lang="fr-FR" dirty="0" smtClean="0"/>
-              <a:t>I = 20mA)</a:t>
+              <a:rPr lang="fr-FR" dirty="0"/>
+              <a:t> = 2.2v ; I = 20mA)</a:t>
             </a:r>
           </a:p>
           <a:p>
             <a:pPr lvl="1"/>
             <a:r>
-              <a:rPr lang="fr-FR" dirty="0" err="1" smtClean="0"/>
+              <a:rPr lang="fr-FR" dirty="0" err="1"/>
               <a:t>Ua</a:t>
             </a:r>
             <a:r>
-              <a:rPr lang="fr-FR" dirty="0" smtClean="0"/>
+              <a:rPr lang="fr-FR" dirty="0"/>
               <a:t> = 5V</a:t>
             </a:r>
           </a:p>
           <a:p>
             <a:pPr lvl="1"/>
             <a:r>
-              <a:rPr lang="fr-FR" dirty="0" smtClean="0"/>
+              <a:rPr lang="fr-FR" dirty="0"/>
               <a:t>DU = RI, </a:t>
             </a:r>
             <a:r>
-              <a:rPr lang="fr-FR" dirty="0" err="1" smtClean="0"/>
+              <a:rPr lang="fr-FR" dirty="0" err="1"/>
               <a:t>Ua</a:t>
             </a:r>
             <a:r>
-              <a:rPr lang="fr-FR" dirty="0" smtClean="0"/>
+              <a:rPr lang="fr-FR" dirty="0"/>
               <a:t> - </a:t>
             </a:r>
             <a:r>
-              <a:rPr lang="fr-FR" dirty="0" err="1" smtClean="0"/>
+              <a:rPr lang="fr-FR" dirty="0" err="1"/>
               <a:t>Ui</a:t>
             </a:r>
             <a:r>
-              <a:rPr lang="fr-FR" dirty="0" smtClean="0"/>
+              <a:rPr lang="fr-FR" dirty="0"/>
               <a:t> = RI</a:t>
             </a:r>
           </a:p>
           <a:p>
             <a:pPr lvl="1"/>
             <a:r>
-              <a:rPr lang="fr-FR" dirty="0" smtClean="0"/>
+              <a:rPr lang="fr-FR" dirty="0"/>
               <a:t>R = (</a:t>
             </a:r>
             <a:r>
-              <a:rPr lang="fr-FR" dirty="0" err="1" smtClean="0"/>
+              <a:rPr lang="fr-FR" dirty="0" err="1"/>
               <a:t>Ua</a:t>
             </a:r>
             <a:r>
-              <a:rPr lang="fr-FR" dirty="0" smtClean="0"/>
+              <a:rPr lang="fr-FR" dirty="0"/>
               <a:t> - </a:t>
             </a:r>
             <a:r>
-              <a:rPr lang="fr-FR" dirty="0" err="1" smtClean="0"/>
+              <a:rPr lang="fr-FR" dirty="0" err="1"/>
               <a:t>Ui</a:t>
             </a:r>
             <a:r>
-              <a:rPr lang="fr-FR" dirty="0" smtClean="0"/>
+              <a:rPr lang="fr-FR" dirty="0"/>
               <a:t>) / I</a:t>
             </a:r>
           </a:p>
           <a:p>
             <a:pPr lvl="1"/>
             <a:r>
-              <a:rPr lang="fr-FR" dirty="0" smtClean="0"/>
+              <a:rPr lang="fr-FR" dirty="0"/>
               <a:t>R = (5 - 2.2) / 0.02</a:t>
             </a:r>
           </a:p>
           <a:p>
             <a:pPr lvl="1"/>
             <a:r>
-              <a:rPr lang="fr-FR" dirty="0" smtClean="0"/>
+              <a:rPr lang="fr-FR" dirty="0"/>
               <a:t>R = 490 Ohm</a:t>
             </a:r>
           </a:p>
           <a:p>
             <a:pPr lvl="1"/>
             <a:r>
-              <a:rPr lang="fr-FR" dirty="0" smtClean="0"/>
+              <a:rPr lang="fr-FR" dirty="0"/>
               <a:t>Nous mettrons en série un résistance de 500 Ohm</a:t>
             </a:r>
           </a:p>
@@ -5018,11 +4968,11 @@
           <a:lstStyle/>
           <a:p>
             <a:r>
-              <a:rPr lang="fr-FR" dirty="0" smtClean="0"/>
+              <a:rPr lang="fr-FR" dirty="0"/>
               <a:t>Tableau des </a:t>
             </a:r>
             <a:r>
-              <a:rPr lang="fr-FR" dirty="0" err="1" smtClean="0"/>
+              <a:rPr lang="fr-FR" dirty="0" err="1"/>
               <a:t>Leds</a:t>
             </a:r>
             <a:endParaRPr lang="fr-FR" dirty="0"/>
@@ -5099,14 +5049,13 @@
           <a:lstStyle/>
           <a:p>
             <a:r>
-              <a:rPr lang="fr-FR" dirty="0" err="1" smtClean="0"/>
+              <a:rPr lang="fr-FR" dirty="0" err="1"/>
               <a:t>Seeeduino</a:t>
             </a:r>
             <a:r>
-              <a:rPr lang="fr-FR" dirty="0" smtClean="0"/>
+              <a:rPr lang="fr-FR" dirty="0"/>
               <a:t> Grove</a:t>
             </a:r>
-            <a:endParaRPr lang="fr-FR" dirty="0"/>
           </a:p>
         </p:txBody>
       </p:sp>
@@ -5126,53 +5075,53 @@
           <a:lstStyle/>
           <a:p>
             <a:r>
-              <a:rPr lang="fr-FR" dirty="0" smtClean="0"/>
+              <a:rPr lang="fr-FR" dirty="0"/>
               <a:t>Branchement facile par connecteur</a:t>
             </a:r>
           </a:p>
           <a:p>
             <a:pPr lvl="1"/>
             <a:r>
-              <a:rPr lang="fr-FR" dirty="0" smtClean="0"/>
+              <a:rPr lang="fr-FR" dirty="0"/>
               <a:t>Les résistances sont déjà calculées</a:t>
             </a:r>
           </a:p>
           <a:p>
             <a:pPr lvl="1"/>
             <a:r>
-              <a:rPr lang="fr-FR" dirty="0" smtClean="0"/>
+              <a:rPr lang="fr-FR" dirty="0"/>
               <a:t>Idéale pour le prototypage</a:t>
             </a:r>
           </a:p>
           <a:p>
             <a:r>
-              <a:rPr lang="fr-FR" dirty="0" smtClean="0"/>
+              <a:rPr lang="fr-FR" dirty="0"/>
               <a:t>Nécessite un Bridge</a:t>
             </a:r>
           </a:p>
           <a:p>
             <a:pPr lvl="1"/>
             <a:r>
-              <a:rPr lang="fr-FR" dirty="0" smtClean="0"/>
+              <a:rPr lang="fr-FR" dirty="0"/>
               <a:t>Ou une carte </a:t>
             </a:r>
             <a:r>
-              <a:rPr lang="fr-FR" dirty="0" err="1" smtClean="0"/>
+              <a:rPr lang="fr-FR" dirty="0" err="1"/>
               <a:t>Seeeduino</a:t>
             </a:r>
-            <a:endParaRPr lang="fr-FR" dirty="0" smtClean="0"/>
-          </a:p>
-          <a:p>
-            <a:r>
-              <a:rPr lang="fr-FR" dirty="0" smtClean="0"/>
+            <a:endParaRPr lang="fr-FR" dirty="0"/>
+          </a:p>
+          <a:p>
+            <a:r>
+              <a:rPr lang="fr-FR" dirty="0"/>
               <a:t>Nécessite des </a:t>
             </a:r>
             <a:r>
-              <a:rPr lang="fr-FR" dirty="0" err="1" smtClean="0"/>
+              <a:rPr lang="fr-FR" dirty="0" err="1"/>
               <a:t>devices</a:t>
             </a:r>
             <a:r>
-              <a:rPr lang="fr-FR" dirty="0" smtClean="0"/>
+              <a:rPr lang="fr-FR" dirty="0"/>
               <a:t> adaptées</a:t>
             </a:r>
           </a:p>
@@ -5312,10 +5261,9 @@
           <a:lstStyle/>
           <a:p>
             <a:r>
-              <a:rPr lang="fr-FR" dirty="0" smtClean="0"/>
+              <a:rPr lang="fr-FR" dirty="0"/>
               <a:t>Alimentation</a:t>
             </a:r>
-            <a:endParaRPr lang="fr-FR" dirty="0"/>
           </a:p>
         </p:txBody>
       </p:sp>
@@ -5335,15 +5283,15 @@
           <a:lstStyle/>
           <a:p>
             <a:r>
-              <a:rPr lang="fr-FR" dirty="0" smtClean="0"/>
+              <a:rPr lang="fr-FR" dirty="0"/>
               <a:t>L'</a:t>
             </a:r>
             <a:r>
-              <a:rPr lang="fr-FR" dirty="0" err="1" smtClean="0"/>
+              <a:rPr lang="fr-FR" dirty="0" err="1"/>
               <a:t>Arduino</a:t>
             </a:r>
             <a:r>
-              <a:rPr lang="fr-FR" dirty="0" smtClean="0"/>
+              <a:rPr lang="fr-FR" dirty="0"/>
               <a:t> peut être alimenté de 5V à 12V</a:t>
             </a:r>
           </a:p>
@@ -5355,18 +5303,14 @@
             </a:r>
             <a:r>
               <a:rPr lang="fr-FR" dirty="0"/>
-              <a:t> = </a:t>
-            </a:r>
-            <a:r>
-              <a:rPr lang="fr-FR" dirty="0" smtClean="0"/>
-              <a:t>0.1W sans </a:t>
-            </a:r>
-            <a:r>
-              <a:rPr lang="fr-FR" dirty="0" err="1" smtClean="0"/>
+              <a:t> = 0.1W sans </a:t>
+            </a:r>
+            <a:r>
+              <a:rPr lang="fr-FR" dirty="0" err="1"/>
               <a:t>device</a:t>
             </a:r>
             <a:r>
-              <a:rPr lang="fr-FR" dirty="0" smtClean="0"/>
+              <a:rPr lang="fr-FR" dirty="0"/>
               <a:t>, </a:t>
             </a:r>
             <a:r>
@@ -5380,42 +5324,42 @@
           </a:p>
           <a:p>
             <a:r>
-              <a:rPr lang="fr-FR" dirty="0" smtClean="0"/>
+              <a:rPr lang="fr-FR" dirty="0"/>
               <a:t>Alimenté par USB (5.1V) ou par connecteur</a:t>
             </a:r>
           </a:p>
           <a:p>
             <a:pPr lvl="1"/>
             <a:r>
-              <a:rPr lang="fr-FR" dirty="0" smtClean="0"/>
+              <a:rPr lang="fr-FR" dirty="0"/>
               <a:t>Le connecteur l'emporte sur l'USB</a:t>
             </a:r>
           </a:p>
           <a:p>
             <a:pPr lvl="1"/>
             <a:r>
-              <a:rPr lang="fr-FR" dirty="0" smtClean="0"/>
+              <a:rPr lang="fr-FR" dirty="0"/>
               <a:t>Pas de fusible !</a:t>
             </a:r>
           </a:p>
           <a:p>
             <a:pPr lvl="1"/>
             <a:r>
-              <a:rPr lang="fr-FR" dirty="0" smtClean="0"/>
+              <a:rPr lang="fr-FR" dirty="0"/>
               <a:t>Chute de tension maximale : 1V</a:t>
             </a:r>
           </a:p>
           <a:p>
             <a:pPr lvl="1"/>
             <a:r>
-              <a:rPr lang="fr-FR" dirty="0" smtClean="0"/>
+              <a:rPr lang="fr-FR" dirty="0"/>
               <a:t>Prévoir une tension de 6V</a:t>
             </a:r>
           </a:p>
           <a:p>
             <a:pPr lvl="1"/>
             <a:r>
-              <a:rPr lang="fr-FR" dirty="0" smtClean="0"/>
+              <a:rPr lang="fr-FR" dirty="0"/>
               <a:t>Puissance maximale par broche 40mA</a:t>
             </a:r>
           </a:p>
@@ -5423,10 +5367,10 @@
             <a:endParaRPr lang="fr-FR" dirty="0"/>
           </a:p>
           <a:p>
-            <a:endParaRPr lang="fr-FR" dirty="0" smtClean="0"/>
-          </a:p>
-          <a:p>
-            <a:endParaRPr lang="fr-FR" dirty="0" smtClean="0"/>
+            <a:endParaRPr lang="fr-FR" dirty="0"/>
+          </a:p>
+          <a:p>
+            <a:endParaRPr lang="fr-FR" dirty="0"/>
           </a:p>
           <a:p>
             <a:endParaRPr lang="fr-FR" dirty="0"/>
@@ -5479,10 +5423,9 @@
           <a:lstStyle/>
           <a:p>
             <a:r>
-              <a:rPr lang="fr-FR" dirty="0" smtClean="0"/>
+              <a:rPr lang="fr-FR" dirty="0"/>
               <a:t>I/O Numérique</a:t>
             </a:r>
-            <a:endParaRPr lang="fr-FR" dirty="0"/>
           </a:p>
         </p:txBody>
       </p:sp>
@@ -5502,56 +5445,48 @@
           <a:lstStyle/>
           <a:p>
             <a:r>
-              <a:rPr lang="fr-FR" dirty="0" smtClean="0"/>
+              <a:rPr lang="fr-FR" dirty="0"/>
               <a:t>Reçoit des 0 et des 1</a:t>
             </a:r>
           </a:p>
           <a:p>
             <a:pPr lvl="1"/>
             <a:r>
-              <a:rPr lang="fr-FR" dirty="0" smtClean="0"/>
+              <a:rPr lang="fr-FR" dirty="0"/>
               <a:t>0 correspond à 0V</a:t>
             </a:r>
           </a:p>
           <a:p>
             <a:pPr lvl="1"/>
             <a:r>
-              <a:rPr lang="fr-FR" dirty="0" smtClean="0"/>
+              <a:rPr lang="fr-FR" dirty="0"/>
               <a:t>1 correspond à 5V</a:t>
             </a:r>
           </a:p>
           <a:p>
             <a:r>
-              <a:rPr lang="fr-FR" dirty="0" smtClean="0"/>
+              <a:rPr lang="fr-FR" dirty="0"/>
               <a:t>Les données peuvent être envoyées avec une certaine fréquence (</a:t>
             </a:r>
             <a:r>
-              <a:rPr lang="fr-FR" dirty="0" err="1" smtClean="0"/>
+              <a:rPr lang="fr-FR" dirty="0" err="1"/>
               <a:t>baudrate</a:t>
             </a:r>
             <a:r>
-              <a:rPr lang="fr-FR" dirty="0" smtClean="0"/>
+              <a:rPr lang="fr-FR" dirty="0"/>
               <a:t>) pour pouvoir fabriquer des chiffres</a:t>
             </a:r>
           </a:p>
           <a:p>
             <a:r>
-              <a:rPr lang="fr-FR" dirty="0" smtClean="0"/>
+              <a:rPr lang="fr-FR" dirty="0"/>
               <a:t>Principe de la communication de série</a:t>
             </a:r>
           </a:p>
           <a:p>
             <a:r>
-              <a:rPr lang="fr-FR" dirty="0" smtClean="0"/>
-              <a:t>Il existe des bus de communication pour faciliter </a:t>
-            </a:r>
-            <a:r>
-              <a:rPr lang="fr-FR" dirty="0"/>
-              <a:t>c</a:t>
-            </a:r>
-            <a:r>
-              <a:rPr lang="fr-FR" dirty="0" smtClean="0"/>
-              <a:t>e traitement</a:t>
+              <a:rPr lang="fr-FR" dirty="0"/>
+              <a:t>Il existe des bus de communication pour faciliter ce traitement</a:t>
             </a:r>
           </a:p>
           <a:p>
@@ -5606,10 +5541,9 @@
           <a:lstStyle/>
           <a:p>
             <a:r>
-              <a:rPr lang="fr-FR" dirty="0" smtClean="0"/>
+              <a:rPr lang="fr-FR" dirty="0"/>
               <a:t>I/O Analogiques</a:t>
             </a:r>
-            <a:endParaRPr lang="fr-FR" dirty="0"/>
           </a:p>
         </p:txBody>
       </p:sp>
@@ -5629,60 +5563,60 @@
           <a:lstStyle/>
           <a:p>
             <a:r>
-              <a:rPr lang="fr-FR" dirty="0" smtClean="0"/>
+              <a:rPr lang="fr-FR" dirty="0"/>
               <a:t>I/O Analogiques et une entrée sortie avec une valeur comprise entre 0V et 5V</a:t>
             </a:r>
           </a:p>
           <a:p>
             <a:r>
-              <a:rPr lang="fr-FR" dirty="0" smtClean="0"/>
+              <a:rPr lang="fr-FR" dirty="0"/>
               <a:t>Il faut ensuite convertir cette valeur en un chiffre traitable par programmation</a:t>
             </a:r>
           </a:p>
           <a:p>
             <a:r>
-              <a:rPr lang="fr-FR" dirty="0" smtClean="0"/>
+              <a:rPr lang="fr-FR" dirty="0"/>
               <a:t>Exemple d'entrée analogique</a:t>
             </a:r>
           </a:p>
           <a:p>
             <a:pPr lvl="1"/>
             <a:r>
-              <a:rPr lang="fr-FR" dirty="0" smtClean="0"/>
+              <a:rPr lang="fr-FR" dirty="0"/>
               <a:t>Un capteur analogique (température, pression, …)</a:t>
             </a:r>
           </a:p>
           <a:p>
             <a:pPr lvl="1"/>
             <a:r>
-              <a:rPr lang="fr-FR" dirty="0" smtClean="0"/>
+              <a:rPr lang="fr-FR" dirty="0"/>
               <a:t>Un gyroscope</a:t>
             </a:r>
           </a:p>
           <a:p>
             <a:r>
-              <a:rPr lang="fr-FR" dirty="0" smtClean="0"/>
+              <a:rPr lang="fr-FR" dirty="0"/>
               <a:t>Exemple de sortie analogique</a:t>
             </a:r>
           </a:p>
           <a:p>
             <a:pPr lvl="1"/>
             <a:r>
-              <a:rPr lang="fr-FR" dirty="0" smtClean="0"/>
+              <a:rPr lang="fr-FR" dirty="0"/>
               <a:t>Une </a:t>
             </a:r>
             <a:r>
-              <a:rPr lang="fr-FR" dirty="0" err="1" smtClean="0"/>
+              <a:rPr lang="fr-FR" dirty="0" err="1"/>
               <a:t>Led</a:t>
             </a:r>
             <a:r>
-              <a:rPr lang="fr-FR" dirty="0" smtClean="0"/>
+              <a:rPr lang="fr-FR" dirty="0"/>
               <a:t> en fading</a:t>
             </a:r>
           </a:p>
           <a:p>
             <a:pPr lvl="1"/>
-            <a:endParaRPr lang="fr-FR" dirty="0" smtClean="0"/>
+            <a:endParaRPr lang="fr-FR" dirty="0"/>
           </a:p>
           <a:p>
             <a:endParaRPr lang="fr-FR" dirty="0"/>

--- a/ppt/IoT03-ArduinoCabling.pptx
+++ b/ppt/IoT03-ArduinoCabling.pptx
@@ -25,7 +25,7 @@
     <p:sldId id="275" r:id="rId13"/>
     <p:sldId id="277" r:id="rId14"/>
     <p:sldId id="278" r:id="rId15"/>
-    <p:sldId id="274" r:id="rId16"/>
+    <p:sldId id="279" r:id="rId16"/>
   </p:sldIdLst>
   <p:sldSz cx="9144000" cy="6858000" type="screen4x3"/>
   <p:notesSz cx="6648450" cy="9782175"/>
@@ -4443,7 +4443,13 @@
       </p:grpSpPr>
       <p:sp>
         <p:nvSpPr>
-          <p:cNvPr id="2" name="Titre 1"/>
+          <p:cNvPr id="2" name="Titre 1">
+            <a:extLst>
+              <a:ext uri="{FF2B5EF4-FFF2-40B4-BE49-F238E27FC236}">
+                <a16:creationId xmlns:a16="http://schemas.microsoft.com/office/drawing/2014/main" id="{2E0C2424-1908-4E62-B017-63B5A6F5DACD}"/>
+              </a:ext>
+            </a:extLst>
+          </p:cNvPr>
           <p:cNvSpPr>
             <a:spLocks noGrp="1"/>
           </p:cNvSpPr>
@@ -4457,15 +4463,30 @@
           <a:lstStyle/>
           <a:p>
             <a:r>
-              <a:rPr lang="fr-FR" dirty="0"/>
-              <a:t>Montage complet du TP</a:t>
-            </a:r>
+              <a:rPr lang="fr-FR" dirty="0" err="1"/>
+              <a:t>Leds</a:t>
+            </a:r>
+            <a:r>
+              <a:rPr lang="fr-FR" dirty="0"/>
+              <a:t> </a:t>
+            </a:r>
+            <a:r>
+              <a:rPr lang="fr-FR" dirty="0" err="1"/>
+              <a:t>Uno</a:t>
+            </a:r>
+            <a:endParaRPr lang="fr-FR" dirty="0"/>
           </a:p>
         </p:txBody>
       </p:sp>
       <p:sp>
         <p:nvSpPr>
-          <p:cNvPr id="3" name="Espace réservé du contenu 2"/>
+          <p:cNvPr id="3" name="Espace réservé du contenu 2">
+            <a:extLst>
+              <a:ext uri="{FF2B5EF4-FFF2-40B4-BE49-F238E27FC236}">
+                <a16:creationId xmlns:a16="http://schemas.microsoft.com/office/drawing/2014/main" id="{0C6F171E-0155-48DC-A0CE-090E0A9D40FE}"/>
+              </a:ext>
+            </a:extLst>
+          </p:cNvPr>
           <p:cNvSpPr>
             <a:spLocks noGrp="1"/>
           </p:cNvSpPr>
@@ -4478,14 +4499,297 @@
           <a:bodyPr/>
           <a:lstStyle/>
           <a:p>
+            <a:r>
+              <a:rPr lang="fr-FR" dirty="0"/>
+              <a:t>ON</a:t>
+            </a:r>
+          </a:p>
+          <a:p>
+            <a:pPr lvl="1"/>
+            <a:r>
+              <a:rPr lang="fr-FR" dirty="0" err="1"/>
+              <a:t>Led</a:t>
+            </a:r>
+            <a:r>
+              <a:rPr lang="fr-FR" dirty="0"/>
+              <a:t> On</a:t>
+            </a:r>
+          </a:p>
+          <a:p>
+            <a:r>
+              <a:rPr lang="fr-FR" dirty="0"/>
+              <a:t>L</a:t>
+            </a:r>
+          </a:p>
+          <a:p>
+            <a:pPr lvl="1"/>
+            <a:r>
+              <a:rPr lang="fr-FR" dirty="0" err="1"/>
+              <a:t>Led</a:t>
+            </a:r>
+            <a:r>
+              <a:rPr lang="fr-FR" dirty="0"/>
+              <a:t> par défaut</a:t>
+            </a:r>
+          </a:p>
+          <a:p>
+            <a:pPr lvl="1"/>
+            <a:r>
+              <a:rPr lang="fr-FR" dirty="0"/>
+              <a:t>Digital 13 (LED_BUILTIN)</a:t>
+            </a:r>
+          </a:p>
+          <a:p>
+            <a:r>
+              <a:rPr lang="fr-FR" dirty="0"/>
+              <a:t>TX</a:t>
+            </a:r>
+          </a:p>
+          <a:p>
+            <a:pPr lvl="1"/>
+            <a:r>
+              <a:rPr lang="fr-FR" dirty="0" err="1"/>
+              <a:t>Led</a:t>
+            </a:r>
+            <a:r>
+              <a:rPr lang="fr-FR" dirty="0"/>
+              <a:t> qui signifie un Transfert série</a:t>
+            </a:r>
+          </a:p>
+          <a:p>
+            <a:r>
+              <a:rPr lang="fr-FR" dirty="0"/>
+              <a:t>RX</a:t>
+            </a:r>
+          </a:p>
+          <a:p>
+            <a:pPr lvl="1"/>
+            <a:r>
+              <a:rPr lang="fr-FR" dirty="0" err="1"/>
+              <a:t>Led</a:t>
+            </a:r>
+            <a:r>
+              <a:rPr lang="fr-FR" dirty="0"/>
+              <a:t> qui signifie une Réception série</a:t>
+            </a:r>
+          </a:p>
+          <a:p>
+            <a:pPr lvl="1"/>
             <a:endParaRPr lang="fr-FR" dirty="0"/>
           </a:p>
         </p:txBody>
       </p:sp>
+      <p:pic>
+        <p:nvPicPr>
+          <p:cNvPr id="4" name="Picture 2" descr="Résultat de recherche d'images pour &quot;description arduino uno&quot;">
+            <a:extLst>
+              <a:ext uri="{FF2B5EF4-FFF2-40B4-BE49-F238E27FC236}">
+                <a16:creationId xmlns:a16="http://schemas.microsoft.com/office/drawing/2014/main" id="{5963B347-8C60-423E-8F60-9668EF8730A1}"/>
+              </a:ext>
+            </a:extLst>
+          </p:cNvPr>
+          <p:cNvPicPr>
+            <a:picLocks noChangeAspect="1" noChangeArrowheads="1"/>
+          </p:cNvPicPr>
+          <p:nvPr/>
+        </p:nvPicPr>
+        <p:blipFill>
+          <a:blip r:embed="rId2">
+            <a:extLst>
+              <a:ext uri="{28A0092B-C50C-407E-A947-70E740481C1C}">
+                <a14:useLocalDpi xmlns:a14="http://schemas.microsoft.com/office/drawing/2010/main" val="0"/>
+              </a:ext>
+            </a:extLst>
+          </a:blip>
+          <a:srcRect/>
+          <a:stretch>
+            <a:fillRect/>
+          </a:stretch>
+        </p:blipFill>
+        <p:spPr bwMode="auto">
+          <a:xfrm>
+            <a:off x="4572000" y="816313"/>
+            <a:ext cx="4507054" cy="3116743"/>
+          </a:xfrm>
+          <a:prstGeom prst="rect">
+            <a:avLst/>
+          </a:prstGeom>
+          <a:noFill/>
+          <a:extLst>
+            <a:ext uri="{909E8E84-426E-40DD-AFC4-6F175D3DCCD1}">
+              <a14:hiddenFill xmlns:a14="http://schemas.microsoft.com/office/drawing/2010/main">
+                <a:solidFill>
+                  <a:srgbClr val="FFFFFF"/>
+                </a:solidFill>
+              </a14:hiddenFill>
+            </a:ext>
+          </a:extLst>
+        </p:spPr>
+      </p:pic>
+      <p:cxnSp>
+        <p:nvCxnSpPr>
+          <p:cNvPr id="6" name="Connecteur droit avec flèche 5">
+            <a:extLst>
+              <a:ext uri="{FF2B5EF4-FFF2-40B4-BE49-F238E27FC236}">
+                <a16:creationId xmlns:a16="http://schemas.microsoft.com/office/drawing/2014/main" id="{53F42850-490C-4651-9BD2-156551A17A8C}"/>
+              </a:ext>
+            </a:extLst>
+          </p:cNvPr>
+          <p:cNvCxnSpPr/>
+          <p:nvPr/>
+        </p:nvCxnSpPr>
+        <p:spPr bwMode="auto">
+          <a:xfrm>
+            <a:off x="1187624" y="1700808"/>
+            <a:ext cx="6480720" cy="288032"/>
+          </a:xfrm>
+          <a:prstGeom prst="straightConnector1">
+            <a:avLst/>
+          </a:prstGeom>
+          <a:ln>
+            <a:headEnd type="none" w="med" len="med"/>
+            <a:tailEnd type="triangle"/>
+          </a:ln>
+        </p:spPr>
+        <p:style>
+          <a:lnRef idx="1">
+            <a:schemeClr val="accent1"/>
+          </a:lnRef>
+          <a:fillRef idx="0">
+            <a:schemeClr val="accent1"/>
+          </a:fillRef>
+          <a:effectRef idx="0">
+            <a:schemeClr val="accent1"/>
+          </a:effectRef>
+          <a:fontRef idx="minor">
+            <a:schemeClr val="tx1"/>
+          </a:fontRef>
+        </p:style>
+      </p:cxnSp>
+      <p:cxnSp>
+        <p:nvCxnSpPr>
+          <p:cNvPr id="8" name="Connecteur droit avec flèche 7">
+            <a:extLst>
+              <a:ext uri="{FF2B5EF4-FFF2-40B4-BE49-F238E27FC236}">
+                <a16:creationId xmlns:a16="http://schemas.microsoft.com/office/drawing/2014/main" id="{D1D26FE8-5075-4115-AC03-4600F0F92702}"/>
+              </a:ext>
+            </a:extLst>
+          </p:cNvPr>
+          <p:cNvCxnSpPr/>
+          <p:nvPr/>
+        </p:nvCxnSpPr>
+        <p:spPr bwMode="auto">
+          <a:xfrm flipV="1">
+            <a:off x="899592" y="1844824"/>
+            <a:ext cx="5616624" cy="792088"/>
+          </a:xfrm>
+          <a:prstGeom prst="straightConnector1">
+            <a:avLst/>
+          </a:prstGeom>
+          <a:ln>
+            <a:headEnd type="none" w="med" len="med"/>
+            <a:tailEnd type="triangle"/>
+          </a:ln>
+        </p:spPr>
+        <p:style>
+          <a:lnRef idx="1">
+            <a:schemeClr val="accent1"/>
+          </a:lnRef>
+          <a:fillRef idx="0">
+            <a:schemeClr val="accent1"/>
+          </a:fillRef>
+          <a:effectRef idx="0">
+            <a:schemeClr val="accent1"/>
+          </a:effectRef>
+          <a:fontRef idx="minor">
+            <a:schemeClr val="tx1"/>
+          </a:fontRef>
+        </p:style>
+      </p:cxnSp>
+      <p:cxnSp>
+        <p:nvCxnSpPr>
+          <p:cNvPr id="10" name="Connecteur droit avec flèche 9">
+            <a:extLst>
+              <a:ext uri="{FF2B5EF4-FFF2-40B4-BE49-F238E27FC236}">
+                <a16:creationId xmlns:a16="http://schemas.microsoft.com/office/drawing/2014/main" id="{9E53A5F1-1523-48B1-B6BF-FA2C43B447FD}"/>
+              </a:ext>
+            </a:extLst>
+          </p:cNvPr>
+          <p:cNvCxnSpPr/>
+          <p:nvPr/>
+        </p:nvCxnSpPr>
+        <p:spPr bwMode="auto">
+          <a:xfrm flipV="1">
+            <a:off x="1054133" y="1988840"/>
+            <a:ext cx="5534091" cy="2088232"/>
+          </a:xfrm>
+          <a:prstGeom prst="straightConnector1">
+            <a:avLst/>
+          </a:prstGeom>
+          <a:ln>
+            <a:headEnd type="none" w="med" len="med"/>
+            <a:tailEnd type="triangle"/>
+          </a:ln>
+        </p:spPr>
+        <p:style>
+          <a:lnRef idx="1">
+            <a:schemeClr val="accent1"/>
+          </a:lnRef>
+          <a:fillRef idx="0">
+            <a:schemeClr val="accent1"/>
+          </a:fillRef>
+          <a:effectRef idx="0">
+            <a:schemeClr val="accent1"/>
+          </a:effectRef>
+          <a:fontRef idx="minor">
+            <a:schemeClr val="tx1"/>
+          </a:fontRef>
+        </p:style>
+      </p:cxnSp>
+      <p:cxnSp>
+        <p:nvCxnSpPr>
+          <p:cNvPr id="12" name="Connecteur droit avec flèche 11">
+            <a:extLst>
+              <a:ext uri="{FF2B5EF4-FFF2-40B4-BE49-F238E27FC236}">
+                <a16:creationId xmlns:a16="http://schemas.microsoft.com/office/drawing/2014/main" id="{00FB0CB4-B2C6-418B-9954-A4E1944645A7}"/>
+              </a:ext>
+            </a:extLst>
+          </p:cNvPr>
+          <p:cNvCxnSpPr/>
+          <p:nvPr/>
+        </p:nvCxnSpPr>
+        <p:spPr bwMode="auto">
+          <a:xfrm flipV="1">
+            <a:off x="1187624" y="2060848"/>
+            <a:ext cx="5400600" cy="2988332"/>
+          </a:xfrm>
+          <a:prstGeom prst="straightConnector1">
+            <a:avLst/>
+          </a:prstGeom>
+          <a:ln>
+            <a:headEnd type="none" w="med" len="med"/>
+            <a:tailEnd type="triangle"/>
+          </a:ln>
+        </p:spPr>
+        <p:style>
+          <a:lnRef idx="1">
+            <a:schemeClr val="accent1"/>
+          </a:lnRef>
+          <a:fillRef idx="0">
+            <a:schemeClr val="accent1"/>
+          </a:fillRef>
+          <a:effectRef idx="0">
+            <a:schemeClr val="accent1"/>
+          </a:effectRef>
+          <a:fontRef idx="minor">
+            <a:schemeClr val="tx1"/>
+          </a:fontRef>
+        </p:style>
+      </p:cxnSp>
     </p:spTree>
     <p:extLst>
       <p:ext uri="{BB962C8B-B14F-4D97-AF65-F5344CB8AC3E}">
-        <p14:creationId xmlns:p14="http://schemas.microsoft.com/office/powerpoint/2010/main" val="88383014"/>
+        <p14:creationId xmlns:p14="http://schemas.microsoft.com/office/powerpoint/2010/main" val="2092432260"/>
       </p:ext>
     </p:extLst>
   </p:cSld>
@@ -4529,7 +4833,7 @@
           <a:p>
             <a:r>
               <a:rPr lang="fr-FR" dirty="0"/>
-              <a:t>Branchements</a:t>
+              <a:t>Arduino UNO</a:t>
             </a:r>
           </a:p>
         </p:txBody>

--- a/ppt/IoT03-ArduinoCabling.pptx
+++ b/ppt/IoT03-ArduinoCabling.pptx
@@ -5,27 +5,30 @@
     <p:sldMasterId id="2147483653" r:id="rId1"/>
   </p:sldMasterIdLst>
   <p:notesMasterIdLst>
-    <p:notesMasterId r:id="rId17"/>
+    <p:notesMasterId r:id="rId20"/>
   </p:notesMasterIdLst>
   <p:handoutMasterIdLst>
-    <p:handoutMasterId r:id="rId18"/>
+    <p:handoutMasterId r:id="rId21"/>
   </p:handoutMasterIdLst>
   <p:sldIdLst>
     <p:sldId id="264" r:id="rId2"/>
-    <p:sldId id="265" r:id="rId3"/>
-    <p:sldId id="266" r:id="rId4"/>
-    <p:sldId id="267" r:id="rId5"/>
-    <p:sldId id="268" r:id="rId6"/>
-    <p:sldId id="269" r:id="rId7"/>
-    <p:sldId id="270" r:id="rId8"/>
-    <p:sldId id="272" r:id="rId9"/>
-    <p:sldId id="271" r:id="rId10"/>
-    <p:sldId id="273" r:id="rId11"/>
-    <p:sldId id="276" r:id="rId12"/>
-    <p:sldId id="275" r:id="rId13"/>
-    <p:sldId id="277" r:id="rId14"/>
-    <p:sldId id="278" r:id="rId15"/>
-    <p:sldId id="279" r:id="rId16"/>
+    <p:sldId id="266" r:id="rId3"/>
+    <p:sldId id="267" r:id="rId4"/>
+    <p:sldId id="268" r:id="rId5"/>
+    <p:sldId id="269" r:id="rId6"/>
+    <p:sldId id="270" r:id="rId7"/>
+    <p:sldId id="272" r:id="rId8"/>
+    <p:sldId id="271" r:id="rId9"/>
+    <p:sldId id="273" r:id="rId10"/>
+    <p:sldId id="276" r:id="rId11"/>
+    <p:sldId id="275" r:id="rId12"/>
+    <p:sldId id="277" r:id="rId13"/>
+    <p:sldId id="278" r:id="rId14"/>
+    <p:sldId id="279" r:id="rId15"/>
+    <p:sldId id="280" r:id="rId16"/>
+    <p:sldId id="281" r:id="rId17"/>
+    <p:sldId id="282" r:id="rId18"/>
+    <p:sldId id="283" r:id="rId19"/>
   </p:sldIdLst>
   <p:sldSz cx="9144000" cy="6858000" type="screen4x3"/>
   <p:notesSz cx="6648450" cy="9782175"/>
@@ -3789,7 +3792,7 @@
           <a:p>
             <a:r>
               <a:rPr lang="fr-FR" dirty="0"/>
-              <a:t>I/O Numérique</a:t>
+              <a:t>Données numériques en série</a:t>
             </a:r>
           </a:p>
         </p:txBody>
@@ -3811,79 +3814,41 @@
           <a:p>
             <a:r>
               <a:rPr lang="fr-FR" dirty="0"/>
-              <a:t>Exemple de sortie numérique</a:t>
+              <a:t>Les I/O numériques nécessitent l'échange de données en série</a:t>
             </a:r>
           </a:p>
           <a:p>
             <a:pPr lvl="1"/>
             <a:r>
               <a:rPr lang="fr-FR" dirty="0"/>
-              <a:t>Une </a:t>
+              <a:t>Si le débit est rapide nécessité d'une communication série avec un </a:t>
             </a:r>
             <a:r>
               <a:rPr lang="fr-FR" dirty="0" err="1"/>
-              <a:t>led</a:t>
-            </a:r>
-            <a:r>
-              <a:rPr lang="fr-FR" dirty="0"/>
-              <a:t> on / off</a:t>
-            </a:r>
+              <a:t>baudrate</a:t>
+            </a:r>
+            <a:endParaRPr lang="fr-FR" dirty="0"/>
           </a:p>
           <a:p>
             <a:pPr lvl="1"/>
             <a:r>
               <a:rPr lang="fr-FR" dirty="0"/>
-              <a:t>Un relais de puissance</a:t>
+              <a:t>Présence d'un UART</a:t>
             </a:r>
           </a:p>
           <a:p>
             <a:pPr lvl="1"/>
             <a:r>
               <a:rPr lang="fr-FR" dirty="0"/>
-              <a:t>Un port série</a:t>
-            </a:r>
-          </a:p>
-          <a:p>
-            <a:pPr lvl="1"/>
-            <a:r>
-              <a:rPr lang="fr-FR" dirty="0"/>
-              <a:t>…</a:t>
-            </a:r>
-          </a:p>
-          <a:p>
-            <a:r>
-              <a:rPr lang="fr-FR" dirty="0"/>
-              <a:t>Exemple d'entrée numérique</a:t>
-            </a:r>
-          </a:p>
-          <a:p>
-            <a:pPr lvl="1"/>
-            <a:r>
-              <a:rPr lang="fr-FR" dirty="0"/>
-              <a:t>Un bouton poussoir</a:t>
-            </a:r>
-          </a:p>
-          <a:p>
-            <a:pPr lvl="1"/>
-            <a:r>
-              <a:rPr lang="fr-FR" dirty="0"/>
-              <a:t>Un capteur numérique</a:t>
-            </a:r>
-          </a:p>
-          <a:p>
-            <a:pPr lvl="1"/>
-            <a:endParaRPr lang="fr-FR" dirty="0"/>
-          </a:p>
-          <a:p>
-            <a:pPr lvl="1"/>
-            <a:endParaRPr lang="fr-FR" dirty="0"/>
+              <a:t>Présence d'un Bus</a:t>
+            </a:r>
           </a:p>
         </p:txBody>
       </p:sp>
     </p:spTree>
     <p:extLst>
       <p:ext uri="{BB962C8B-B14F-4D97-AF65-F5344CB8AC3E}">
-        <p14:creationId xmlns:p14="http://schemas.microsoft.com/office/powerpoint/2010/main" val="2910901563"/>
+        <p14:creationId xmlns:p14="http://schemas.microsoft.com/office/powerpoint/2010/main" val="4066398560"/>
       </p:ext>
     </p:extLst>
   </p:cSld>
@@ -3926,106 +3891,6 @@
           <a:lstStyle/>
           <a:p>
             <a:r>
-              <a:rPr lang="fr-FR" dirty="0"/>
-              <a:t>Données numériques en série</a:t>
-            </a:r>
-          </a:p>
-        </p:txBody>
-      </p:sp>
-      <p:sp>
-        <p:nvSpPr>
-          <p:cNvPr id="3" name="Espace réservé du contenu 2"/>
-          <p:cNvSpPr>
-            <a:spLocks noGrp="1"/>
-          </p:cNvSpPr>
-          <p:nvPr>
-            <p:ph idx="1"/>
-          </p:nvPr>
-        </p:nvSpPr>
-        <p:spPr/>
-        <p:txBody>
-          <a:bodyPr/>
-          <a:lstStyle/>
-          <a:p>
-            <a:r>
-              <a:rPr lang="fr-FR" dirty="0"/>
-              <a:t>Les I/O numériques nécessitent l'échange de données en série</a:t>
-            </a:r>
-          </a:p>
-          <a:p>
-            <a:pPr lvl="1"/>
-            <a:r>
-              <a:rPr lang="fr-FR" dirty="0"/>
-              <a:t>Si le débit est rapide nécessité d'une communication série avec un </a:t>
-            </a:r>
-            <a:r>
-              <a:rPr lang="fr-FR" dirty="0" err="1"/>
-              <a:t>baudrate</a:t>
-            </a:r>
-            <a:endParaRPr lang="fr-FR" dirty="0"/>
-          </a:p>
-          <a:p>
-            <a:pPr lvl="1"/>
-            <a:r>
-              <a:rPr lang="fr-FR" dirty="0"/>
-              <a:t>Présence d'un UART</a:t>
-            </a:r>
-          </a:p>
-          <a:p>
-            <a:pPr lvl="1"/>
-            <a:r>
-              <a:rPr lang="fr-FR" dirty="0"/>
-              <a:t>Présence d'un Bus</a:t>
-            </a:r>
-          </a:p>
-        </p:txBody>
-      </p:sp>
-    </p:spTree>
-    <p:extLst>
-      <p:ext uri="{BB962C8B-B14F-4D97-AF65-F5344CB8AC3E}">
-        <p14:creationId xmlns:p14="http://schemas.microsoft.com/office/powerpoint/2010/main" val="4066398560"/>
-      </p:ext>
-    </p:extLst>
-  </p:cSld>
-  <p:clrMapOvr>
-    <a:masterClrMapping/>
-  </p:clrMapOvr>
-</p:sld>
-</file>
-
-<file path=ppt/slides/slide12.xml><?xml version="1.0" encoding="utf-8"?>
-<p:sld xmlns:a="http://schemas.openxmlformats.org/drawingml/2006/main" xmlns:r="http://schemas.openxmlformats.org/officeDocument/2006/relationships" xmlns:p="http://schemas.openxmlformats.org/presentationml/2006/main">
-  <p:cSld>
-    <p:spTree>
-      <p:nvGrpSpPr>
-        <p:cNvPr id="1" name=""/>
-        <p:cNvGrpSpPr/>
-        <p:nvPr/>
-      </p:nvGrpSpPr>
-      <p:grpSpPr>
-        <a:xfrm>
-          <a:off x="0" y="0"/>
-          <a:ext cx="0" cy="0"/>
-          <a:chOff x="0" y="0"/>
-          <a:chExt cx="0" cy="0"/>
-        </a:xfrm>
-      </p:grpSpPr>
-      <p:sp>
-        <p:nvSpPr>
-          <p:cNvPr id="2" name="Titre 1"/>
-          <p:cNvSpPr>
-            <a:spLocks noGrp="1"/>
-          </p:cNvSpPr>
-          <p:nvPr>
-            <p:ph type="title"/>
-          </p:nvPr>
-        </p:nvSpPr>
-        <p:spPr/>
-        <p:txBody>
-          <a:bodyPr/>
-          <a:lstStyle/>
-          <a:p>
-            <a:r>
               <a:rPr lang="fr-FR" dirty="0" err="1"/>
               <a:t>Tinkercad</a:t>
             </a:r>
@@ -4098,7 +3963,7 @@
 </p:sld>
 </file>
 
-<file path=ppt/slides/slide13.xml><?xml version="1.0" encoding="utf-8"?>
+<file path=ppt/slides/slide12.xml><?xml version="1.0" encoding="utf-8"?>
 <p:sld xmlns:a="http://schemas.openxmlformats.org/drawingml/2006/main" xmlns:r="http://schemas.openxmlformats.org/officeDocument/2006/relationships" xmlns:p="http://schemas.openxmlformats.org/presentationml/2006/main">
   <p:cSld>
     <p:spTree>
@@ -4274,7 +4139,7 @@
 </p:sld>
 </file>
 
-<file path=ppt/slides/slide14.xml><?xml version="1.0" encoding="utf-8"?>
+<file path=ppt/slides/slide13.xml><?xml version="1.0" encoding="utf-8"?>
 <p:sld xmlns:a="http://schemas.openxmlformats.org/drawingml/2006/main" xmlns:r="http://schemas.openxmlformats.org/officeDocument/2006/relationships" xmlns:p="http://schemas.openxmlformats.org/presentationml/2006/main">
   <p:cSld>
     <p:spTree>
@@ -4424,7 +4289,7 @@
 </p:sld>
 </file>
 
-<file path=ppt/slides/slide15.xml><?xml version="1.0" encoding="utf-8"?>
+<file path=ppt/slides/slide14.xml><?xml version="1.0" encoding="utf-8"?>
 <p:sld xmlns:a="http://schemas.openxmlformats.org/drawingml/2006/main" xmlns:r="http://schemas.openxmlformats.org/officeDocument/2006/relationships" xmlns:p="http://schemas.openxmlformats.org/presentationml/2006/main">
   <p:cSld>
     <p:spTree>
@@ -4799,6 +4664,694 @@
 </p:sld>
 </file>
 
+<file path=ppt/slides/slide15.xml><?xml version="1.0" encoding="utf-8"?>
+<p:sld xmlns:a="http://schemas.openxmlformats.org/drawingml/2006/main" xmlns:r="http://schemas.openxmlformats.org/officeDocument/2006/relationships" xmlns:p="http://schemas.openxmlformats.org/presentationml/2006/main">
+  <p:cSld>
+    <p:spTree>
+      <p:nvGrpSpPr>
+        <p:cNvPr id="1" name=""/>
+        <p:cNvGrpSpPr/>
+        <p:nvPr/>
+      </p:nvGrpSpPr>
+      <p:grpSpPr>
+        <a:xfrm>
+          <a:off x="0" y="0"/>
+          <a:ext cx="0" cy="0"/>
+          <a:chOff x="0" y="0"/>
+          <a:chExt cx="0" cy="0"/>
+        </a:xfrm>
+      </p:grpSpPr>
+      <p:sp>
+        <p:nvSpPr>
+          <p:cNvPr id="2" name="Titre 1">
+            <a:extLst>
+              <a:ext uri="{FF2B5EF4-FFF2-40B4-BE49-F238E27FC236}">
+                <a16:creationId xmlns:a16="http://schemas.microsoft.com/office/drawing/2014/main" id="{4DEDFA89-8056-8845-AF9B-2D06C0B72A19}"/>
+              </a:ext>
+            </a:extLst>
+          </p:cNvPr>
+          <p:cNvSpPr>
+            <a:spLocks noGrp="1"/>
+          </p:cNvSpPr>
+          <p:nvPr>
+            <p:ph type="title"/>
+          </p:nvPr>
+        </p:nvSpPr>
+        <p:spPr/>
+        <p:txBody>
+          <a:bodyPr/>
+          <a:lstStyle/>
+          <a:p>
+            <a:r>
+              <a:rPr lang="fr-FR" dirty="0"/>
+              <a:t>fonction d'activation</a:t>
+            </a:r>
+          </a:p>
+        </p:txBody>
+      </p:sp>
+      <p:sp>
+        <p:nvSpPr>
+          <p:cNvPr id="3" name="Espace réservé du contenu 2">
+            <a:extLst>
+              <a:ext uri="{FF2B5EF4-FFF2-40B4-BE49-F238E27FC236}">
+                <a16:creationId xmlns:a16="http://schemas.microsoft.com/office/drawing/2014/main" id="{81237A7B-5AE9-2FAA-0C54-8B9BA03C0A69}"/>
+              </a:ext>
+            </a:extLst>
+          </p:cNvPr>
+          <p:cNvSpPr>
+            <a:spLocks noGrp="1"/>
+          </p:cNvSpPr>
+          <p:nvPr>
+            <p:ph idx="1"/>
+          </p:nvPr>
+        </p:nvSpPr>
+        <p:spPr>
+          <a:xfrm>
+            <a:off x="179513" y="1412776"/>
+            <a:ext cx="5256583" cy="5040560"/>
+          </a:xfrm>
+        </p:spPr>
+        <p:txBody>
+          <a:bodyPr/>
+          <a:lstStyle/>
+          <a:p>
+            <a:r>
+              <a:rPr lang="fr-FR" dirty="0"/>
+              <a:t>Les données numériques sont</a:t>
+            </a:r>
+          </a:p>
+          <a:p>
+            <a:pPr lvl="1"/>
+            <a:r>
+              <a:rPr lang="fr-FR" dirty="0"/>
+              <a:t>HIGH = 5v</a:t>
+            </a:r>
+          </a:p>
+          <a:p>
+            <a:pPr lvl="1"/>
+            <a:r>
+              <a:rPr lang="fr-FR" dirty="0"/>
+              <a:t>LOW = 0v</a:t>
+            </a:r>
+          </a:p>
+          <a:p>
+            <a:pPr lvl="1"/>
+            <a:r>
+              <a:rPr lang="fr-FR" dirty="0"/>
+              <a:t>Une fonction d'activation permet de passer d'un état à l'autre</a:t>
+            </a:r>
+          </a:p>
+          <a:p>
+            <a:pPr lvl="1"/>
+            <a:r>
+              <a:rPr lang="fr-FR" dirty="0"/>
+              <a:t>Idem dans un transistor</a:t>
+            </a:r>
+          </a:p>
+        </p:txBody>
+      </p:sp>
+      <p:pic>
+        <p:nvPicPr>
+          <p:cNvPr id="1026" name="Picture 2" descr="sigmoïde — Wiktionnaire, le dictionnaire libre">
+            <a:extLst>
+              <a:ext uri="{FF2B5EF4-FFF2-40B4-BE49-F238E27FC236}">
+                <a16:creationId xmlns:a16="http://schemas.microsoft.com/office/drawing/2014/main" id="{91DF1C72-3E41-E0D6-0852-62D22B737000}"/>
+              </a:ext>
+            </a:extLst>
+          </p:cNvPr>
+          <p:cNvPicPr>
+            <a:picLocks noChangeAspect="1" noChangeArrowheads="1"/>
+          </p:cNvPicPr>
+          <p:nvPr/>
+        </p:nvPicPr>
+        <p:blipFill>
+          <a:blip r:embed="rId2">
+            <a:extLst>
+              <a:ext uri="{28A0092B-C50C-407E-A947-70E740481C1C}">
+                <a14:useLocalDpi xmlns:a14="http://schemas.microsoft.com/office/drawing/2010/main" val="0"/>
+              </a:ext>
+            </a:extLst>
+          </a:blip>
+          <a:srcRect/>
+          <a:stretch>
+            <a:fillRect/>
+          </a:stretch>
+        </p:blipFill>
+        <p:spPr bwMode="auto">
+          <a:xfrm>
+            <a:off x="5334000" y="1524000"/>
+            <a:ext cx="3810000" cy="3810000"/>
+          </a:xfrm>
+          <a:prstGeom prst="rect">
+            <a:avLst/>
+          </a:prstGeom>
+          <a:noFill/>
+          <a:extLst>
+            <a:ext uri="{909E8E84-426E-40DD-AFC4-6F175D3DCCD1}">
+              <a14:hiddenFill xmlns:a14="http://schemas.microsoft.com/office/drawing/2010/main">
+                <a:solidFill>
+                  <a:srgbClr val="FFFFFF"/>
+                </a:solidFill>
+              </a14:hiddenFill>
+            </a:ext>
+          </a:extLst>
+        </p:spPr>
+      </p:pic>
+    </p:spTree>
+    <p:extLst>
+      <p:ext uri="{BB962C8B-B14F-4D97-AF65-F5344CB8AC3E}">
+        <p14:creationId xmlns:p14="http://schemas.microsoft.com/office/powerpoint/2010/main" val="2671453631"/>
+      </p:ext>
+    </p:extLst>
+  </p:cSld>
+  <p:clrMapOvr>
+    <a:masterClrMapping/>
+  </p:clrMapOvr>
+</p:sld>
+</file>
+
+<file path=ppt/slides/slide16.xml><?xml version="1.0" encoding="utf-8"?>
+<p:sld xmlns:a="http://schemas.openxmlformats.org/drawingml/2006/main" xmlns:r="http://schemas.openxmlformats.org/officeDocument/2006/relationships" xmlns:p="http://schemas.openxmlformats.org/presentationml/2006/main">
+  <p:cSld>
+    <p:spTree>
+      <p:nvGrpSpPr>
+        <p:cNvPr id="1" name=""/>
+        <p:cNvGrpSpPr/>
+        <p:nvPr/>
+      </p:nvGrpSpPr>
+      <p:grpSpPr>
+        <a:xfrm>
+          <a:off x="0" y="0"/>
+          <a:ext cx="0" cy="0"/>
+          <a:chOff x="0" y="0"/>
+          <a:chExt cx="0" cy="0"/>
+        </a:xfrm>
+      </p:grpSpPr>
+      <p:sp>
+        <p:nvSpPr>
+          <p:cNvPr id="2" name="Titre 1">
+            <a:extLst>
+              <a:ext uri="{FF2B5EF4-FFF2-40B4-BE49-F238E27FC236}">
+                <a16:creationId xmlns:a16="http://schemas.microsoft.com/office/drawing/2014/main" id="{72855F5F-4A5B-061C-7DCC-EF1F508949D8}"/>
+              </a:ext>
+            </a:extLst>
+          </p:cNvPr>
+          <p:cNvSpPr>
+            <a:spLocks noGrp="1"/>
+          </p:cNvSpPr>
+          <p:nvPr>
+            <p:ph type="title"/>
+          </p:nvPr>
+        </p:nvSpPr>
+        <p:spPr/>
+        <p:txBody>
+          <a:bodyPr/>
+          <a:lstStyle/>
+          <a:p>
+            <a:r>
+              <a:rPr lang="fr-FR" dirty="0"/>
+              <a:t>Fluctuation</a:t>
+            </a:r>
+          </a:p>
+        </p:txBody>
+      </p:sp>
+      <p:sp>
+        <p:nvSpPr>
+          <p:cNvPr id="3" name="Espace réservé du contenu 2">
+            <a:extLst>
+              <a:ext uri="{FF2B5EF4-FFF2-40B4-BE49-F238E27FC236}">
+                <a16:creationId xmlns:a16="http://schemas.microsoft.com/office/drawing/2014/main" id="{D1980F9F-F688-C952-7E7A-E3A180BEB7B2}"/>
+              </a:ext>
+            </a:extLst>
+          </p:cNvPr>
+          <p:cNvSpPr>
+            <a:spLocks noGrp="1"/>
+          </p:cNvSpPr>
+          <p:nvPr>
+            <p:ph idx="1"/>
+          </p:nvPr>
+        </p:nvSpPr>
+        <p:spPr/>
+        <p:txBody>
+          <a:bodyPr/>
+          <a:lstStyle/>
+          <a:p>
+            <a:r>
+              <a:rPr lang="fr-FR" dirty="0"/>
+              <a:t>Dans le cas d'un circuit ouvert sur une entrée numérique</a:t>
+            </a:r>
+          </a:p>
+          <a:p>
+            <a:pPr lvl="1"/>
+            <a:r>
+              <a:rPr lang="fr-FR" dirty="0"/>
+              <a:t>L'entrée n'est en fait reliée à rien</a:t>
+            </a:r>
+          </a:p>
+          <a:p>
+            <a:pPr lvl="1"/>
+            <a:r>
+              <a:rPr lang="fr-FR" dirty="0"/>
+              <a:t>A cause des courant de fuite la tension peut être &gt; 0v = Bruit</a:t>
+            </a:r>
+          </a:p>
+          <a:p>
+            <a:pPr lvl="1"/>
+            <a:r>
+              <a:rPr lang="fr-FR" dirty="0"/>
+              <a:t>Le signal peut donc fluctuer et passer à HIGH</a:t>
+            </a:r>
+          </a:p>
+          <a:p>
+            <a:pPr lvl="1"/>
+            <a:endParaRPr lang="fr-FR" dirty="0"/>
+          </a:p>
+        </p:txBody>
+      </p:sp>
+      <p:pic>
+        <p:nvPicPr>
+          <p:cNvPr id="5" name="Image 4">
+            <a:extLst>
+              <a:ext uri="{FF2B5EF4-FFF2-40B4-BE49-F238E27FC236}">
+                <a16:creationId xmlns:a16="http://schemas.microsoft.com/office/drawing/2014/main" id="{02CCBD30-F6AD-7489-FC44-AE893A286079}"/>
+              </a:ext>
+            </a:extLst>
+          </p:cNvPr>
+          <p:cNvPicPr>
+            <a:picLocks noChangeAspect="1"/>
+          </p:cNvPicPr>
+          <p:nvPr/>
+        </p:nvPicPr>
+        <p:blipFill>
+          <a:blip r:embed="rId2"/>
+          <a:stretch>
+            <a:fillRect/>
+          </a:stretch>
+        </p:blipFill>
+        <p:spPr>
+          <a:xfrm>
+            <a:off x="1947559" y="4653136"/>
+            <a:ext cx="5229955" cy="1362265"/>
+          </a:xfrm>
+          <a:prstGeom prst="rect">
+            <a:avLst/>
+          </a:prstGeom>
+        </p:spPr>
+      </p:pic>
+    </p:spTree>
+    <p:extLst>
+      <p:ext uri="{BB962C8B-B14F-4D97-AF65-F5344CB8AC3E}">
+        <p14:creationId xmlns:p14="http://schemas.microsoft.com/office/powerpoint/2010/main" val="1373878617"/>
+      </p:ext>
+    </p:extLst>
+  </p:cSld>
+  <p:clrMapOvr>
+    <a:masterClrMapping/>
+  </p:clrMapOvr>
+</p:sld>
+</file>
+
+<file path=ppt/slides/slide17.xml><?xml version="1.0" encoding="utf-8"?>
+<p:sld xmlns:a="http://schemas.openxmlformats.org/drawingml/2006/main" xmlns:r="http://schemas.openxmlformats.org/officeDocument/2006/relationships" xmlns:p="http://schemas.openxmlformats.org/presentationml/2006/main">
+  <p:cSld>
+    <p:spTree>
+      <p:nvGrpSpPr>
+        <p:cNvPr id="1" name=""/>
+        <p:cNvGrpSpPr/>
+        <p:nvPr/>
+      </p:nvGrpSpPr>
+      <p:grpSpPr>
+        <a:xfrm>
+          <a:off x="0" y="0"/>
+          <a:ext cx="0" cy="0"/>
+          <a:chOff x="0" y="0"/>
+          <a:chExt cx="0" cy="0"/>
+        </a:xfrm>
+      </p:grpSpPr>
+      <p:sp>
+        <p:nvSpPr>
+          <p:cNvPr id="2" name="Titre 1">
+            <a:extLst>
+              <a:ext uri="{FF2B5EF4-FFF2-40B4-BE49-F238E27FC236}">
+                <a16:creationId xmlns:a16="http://schemas.microsoft.com/office/drawing/2014/main" id="{5C3720C8-8783-6DF6-9E49-7C96BD8117B4}"/>
+              </a:ext>
+            </a:extLst>
+          </p:cNvPr>
+          <p:cNvSpPr>
+            <a:spLocks noGrp="1"/>
+          </p:cNvSpPr>
+          <p:nvPr>
+            <p:ph type="title"/>
+          </p:nvPr>
+        </p:nvSpPr>
+        <p:spPr/>
+        <p:txBody>
+          <a:bodyPr/>
+          <a:lstStyle/>
+          <a:p>
+            <a:r>
+              <a:rPr lang="fr-FR" dirty="0" err="1"/>
+              <a:t>PullDown</a:t>
+            </a:r>
+            <a:endParaRPr lang="fr-FR" dirty="0"/>
+          </a:p>
+        </p:txBody>
+      </p:sp>
+      <p:sp>
+        <p:nvSpPr>
+          <p:cNvPr id="3" name="Espace réservé du contenu 2">
+            <a:extLst>
+              <a:ext uri="{FF2B5EF4-FFF2-40B4-BE49-F238E27FC236}">
+                <a16:creationId xmlns:a16="http://schemas.microsoft.com/office/drawing/2014/main" id="{A86F4602-096C-AD9A-97BE-D558A5C4E33F}"/>
+              </a:ext>
+            </a:extLst>
+          </p:cNvPr>
+          <p:cNvSpPr>
+            <a:spLocks noGrp="1"/>
+          </p:cNvSpPr>
+          <p:nvPr>
+            <p:ph idx="1"/>
+          </p:nvPr>
+        </p:nvSpPr>
+        <p:spPr>
+          <a:xfrm>
+            <a:off x="179513" y="1412776"/>
+            <a:ext cx="4896544" cy="5040560"/>
+          </a:xfrm>
+        </p:spPr>
+        <p:txBody>
+          <a:bodyPr/>
+          <a:lstStyle/>
+          <a:p>
+            <a:r>
+              <a:rPr lang="fr-FR" dirty="0"/>
+              <a:t>En ajoutant une résistance </a:t>
+            </a:r>
+            <a:r>
+              <a:rPr lang="fr-FR" dirty="0" err="1"/>
+              <a:t>PullDown</a:t>
+            </a:r>
+            <a:r>
+              <a:rPr lang="fr-FR" dirty="0"/>
+              <a:t> le signal est forcé à 0v en cas de </a:t>
+            </a:r>
+            <a:r>
+              <a:rPr lang="fr-FR" dirty="0" err="1"/>
+              <a:t>cicuit</a:t>
+            </a:r>
+            <a:r>
+              <a:rPr lang="fr-FR" dirty="0"/>
+              <a:t> ouvert</a:t>
+            </a:r>
+          </a:p>
+          <a:p>
+            <a:r>
+              <a:rPr lang="fr-FR" dirty="0"/>
+              <a:t>Passe à 5v sur circuit fermé</a:t>
+            </a:r>
+          </a:p>
+          <a:p>
+            <a:pPr lvl="1"/>
+            <a:r>
+              <a:rPr lang="fr-FR" dirty="0"/>
+              <a:t>Mais génère un courant de fuite</a:t>
+            </a:r>
+          </a:p>
+        </p:txBody>
+      </p:sp>
+      <p:pic>
+        <p:nvPicPr>
+          <p:cNvPr id="5" name="Image 4">
+            <a:extLst>
+              <a:ext uri="{FF2B5EF4-FFF2-40B4-BE49-F238E27FC236}">
+                <a16:creationId xmlns:a16="http://schemas.microsoft.com/office/drawing/2014/main" id="{285F217F-2815-0634-F476-E74BA0F242AE}"/>
+              </a:ext>
+            </a:extLst>
+          </p:cNvPr>
+          <p:cNvPicPr>
+            <a:picLocks noChangeAspect="1"/>
+          </p:cNvPicPr>
+          <p:nvPr/>
+        </p:nvPicPr>
+        <p:blipFill>
+          <a:blip r:embed="rId2"/>
+          <a:stretch>
+            <a:fillRect/>
+          </a:stretch>
+        </p:blipFill>
+        <p:spPr>
+          <a:xfrm>
+            <a:off x="4914036" y="1412776"/>
+            <a:ext cx="4229964" cy="2205624"/>
+          </a:xfrm>
+          <a:prstGeom prst="rect">
+            <a:avLst/>
+          </a:prstGeom>
+        </p:spPr>
+      </p:pic>
+      <p:pic>
+        <p:nvPicPr>
+          <p:cNvPr id="2050" name="Picture 2">
+            <a:extLst>
+              <a:ext uri="{FF2B5EF4-FFF2-40B4-BE49-F238E27FC236}">
+                <a16:creationId xmlns:a16="http://schemas.microsoft.com/office/drawing/2014/main" id="{7358A4E7-6D29-AF34-B6CC-F4EF215A781D}"/>
+              </a:ext>
+            </a:extLst>
+          </p:cNvPr>
+          <p:cNvPicPr>
+            <a:picLocks noChangeAspect="1" noChangeArrowheads="1"/>
+          </p:cNvPicPr>
+          <p:nvPr/>
+        </p:nvPicPr>
+        <p:blipFill>
+          <a:blip r:embed="rId3">
+            <a:extLst>
+              <a:ext uri="{28A0092B-C50C-407E-A947-70E740481C1C}">
+                <a14:useLocalDpi xmlns:a14="http://schemas.microsoft.com/office/drawing/2010/main" val="0"/>
+              </a:ext>
+            </a:extLst>
+          </a:blip>
+          <a:srcRect/>
+          <a:stretch>
+            <a:fillRect/>
+          </a:stretch>
+        </p:blipFill>
+        <p:spPr bwMode="auto">
+          <a:xfrm>
+            <a:off x="4937357" y="4143527"/>
+            <a:ext cx="4183321" cy="2309809"/>
+          </a:xfrm>
+          <a:prstGeom prst="rect">
+            <a:avLst/>
+          </a:prstGeom>
+          <a:noFill/>
+          <a:extLst>
+            <a:ext uri="{909E8E84-426E-40DD-AFC4-6F175D3DCCD1}">
+              <a14:hiddenFill xmlns:a14="http://schemas.microsoft.com/office/drawing/2010/main">
+                <a:solidFill>
+                  <a:srgbClr val="FFFFFF"/>
+                </a:solidFill>
+              </a14:hiddenFill>
+            </a:ext>
+          </a:extLst>
+        </p:spPr>
+      </p:pic>
+    </p:spTree>
+    <p:extLst>
+      <p:ext uri="{BB962C8B-B14F-4D97-AF65-F5344CB8AC3E}">
+        <p14:creationId xmlns:p14="http://schemas.microsoft.com/office/powerpoint/2010/main" val="1677804545"/>
+      </p:ext>
+    </p:extLst>
+  </p:cSld>
+  <p:clrMapOvr>
+    <a:masterClrMapping/>
+  </p:clrMapOvr>
+</p:sld>
+</file>
+
+<file path=ppt/slides/slide18.xml><?xml version="1.0" encoding="utf-8"?>
+<p:sld xmlns:a="http://schemas.openxmlformats.org/drawingml/2006/main" xmlns:r="http://schemas.openxmlformats.org/officeDocument/2006/relationships" xmlns:p="http://schemas.openxmlformats.org/presentationml/2006/main">
+  <p:cSld>
+    <p:spTree>
+      <p:nvGrpSpPr>
+        <p:cNvPr id="1" name=""/>
+        <p:cNvGrpSpPr/>
+        <p:nvPr/>
+      </p:nvGrpSpPr>
+      <p:grpSpPr>
+        <a:xfrm>
+          <a:off x="0" y="0"/>
+          <a:ext cx="0" cy="0"/>
+          <a:chOff x="0" y="0"/>
+          <a:chExt cx="0" cy="0"/>
+        </a:xfrm>
+      </p:grpSpPr>
+      <p:sp>
+        <p:nvSpPr>
+          <p:cNvPr id="2" name="Titre 1">
+            <a:extLst>
+              <a:ext uri="{FF2B5EF4-FFF2-40B4-BE49-F238E27FC236}">
+                <a16:creationId xmlns:a16="http://schemas.microsoft.com/office/drawing/2014/main" id="{D65B745A-EA75-2EF7-2153-15C9AC45994F}"/>
+              </a:ext>
+            </a:extLst>
+          </p:cNvPr>
+          <p:cNvSpPr>
+            <a:spLocks noGrp="1"/>
+          </p:cNvSpPr>
+          <p:nvPr>
+            <p:ph type="title"/>
+          </p:nvPr>
+        </p:nvSpPr>
+        <p:spPr/>
+        <p:txBody>
+          <a:bodyPr/>
+          <a:lstStyle/>
+          <a:p>
+            <a:r>
+              <a:rPr lang="fr-FR" dirty="0" err="1"/>
+              <a:t>PullDown</a:t>
+            </a:r>
+            <a:r>
+              <a:rPr lang="fr-FR" dirty="0"/>
+              <a:t> &amp; </a:t>
+            </a:r>
+            <a:r>
+              <a:rPr lang="fr-FR" dirty="0" err="1"/>
+              <a:t>PullUp</a:t>
+            </a:r>
+            <a:endParaRPr lang="fr-FR" dirty="0"/>
+          </a:p>
+        </p:txBody>
+      </p:sp>
+      <p:sp>
+        <p:nvSpPr>
+          <p:cNvPr id="3" name="Espace réservé du contenu 2">
+            <a:extLst>
+              <a:ext uri="{FF2B5EF4-FFF2-40B4-BE49-F238E27FC236}">
+                <a16:creationId xmlns:a16="http://schemas.microsoft.com/office/drawing/2014/main" id="{E85C0E9F-55AF-92D4-0298-EF33B2D3342D}"/>
+              </a:ext>
+            </a:extLst>
+          </p:cNvPr>
+          <p:cNvSpPr>
+            <a:spLocks noGrp="1"/>
+          </p:cNvSpPr>
+          <p:nvPr>
+            <p:ph idx="1"/>
+          </p:nvPr>
+        </p:nvSpPr>
+        <p:spPr>
+          <a:xfrm>
+            <a:off x="179513" y="1412776"/>
+            <a:ext cx="4248472" cy="5040560"/>
+          </a:xfrm>
+        </p:spPr>
+        <p:txBody>
+          <a:bodyPr/>
+          <a:lstStyle/>
+          <a:p>
+            <a:r>
+              <a:rPr lang="fr-FR" dirty="0"/>
+              <a:t>L'Arduino et l'ESP32 possède des résistances </a:t>
+            </a:r>
+            <a:r>
+              <a:rPr lang="fr-FR" dirty="0" err="1"/>
+              <a:t>PullDown</a:t>
+            </a:r>
+            <a:endParaRPr lang="fr-FR" dirty="0"/>
+          </a:p>
+          <a:p>
+            <a:r>
+              <a:rPr lang="fr-FR" dirty="0"/>
+              <a:t>Elles doivent être activée</a:t>
+            </a:r>
+          </a:p>
+          <a:p>
+            <a:r>
+              <a:rPr lang="fr-FR" dirty="0"/>
+              <a:t>L'inverse existe c'est le </a:t>
+            </a:r>
+            <a:r>
+              <a:rPr lang="fr-FR" dirty="0" err="1"/>
+              <a:t>PullUp</a:t>
+            </a:r>
+            <a:endParaRPr lang="fr-FR" dirty="0"/>
+          </a:p>
+          <a:p>
+            <a:pPr lvl="1"/>
+            <a:r>
+              <a:rPr lang="fr-FR" dirty="0"/>
+              <a:t>Quand un signal doit rester à HIGH</a:t>
+            </a:r>
+          </a:p>
+          <a:p>
+            <a:pPr lvl="1"/>
+            <a:r>
+              <a:rPr lang="fr-FR" dirty="0"/>
+              <a:t>Broche 1 = RESET si DOWN</a:t>
+            </a:r>
+          </a:p>
+        </p:txBody>
+      </p:sp>
+      <p:pic>
+        <p:nvPicPr>
+          <p:cNvPr id="3076" name="Picture 4" descr="Résistance de rappel - Arduino">
+            <a:extLst>
+              <a:ext uri="{FF2B5EF4-FFF2-40B4-BE49-F238E27FC236}">
+                <a16:creationId xmlns:a16="http://schemas.microsoft.com/office/drawing/2014/main" id="{93DE77EB-6027-F438-7C84-53BE2488ABFC}"/>
+              </a:ext>
+            </a:extLst>
+          </p:cNvPr>
+          <p:cNvPicPr>
+            <a:picLocks noChangeAspect="1" noChangeArrowheads="1"/>
+          </p:cNvPicPr>
+          <p:nvPr/>
+        </p:nvPicPr>
+        <p:blipFill>
+          <a:blip r:embed="rId2">
+            <a:extLst>
+              <a:ext uri="{28A0092B-C50C-407E-A947-70E740481C1C}">
+                <a14:useLocalDpi xmlns:a14="http://schemas.microsoft.com/office/drawing/2010/main" val="0"/>
+              </a:ext>
+            </a:extLst>
+          </a:blip>
+          <a:srcRect/>
+          <a:stretch>
+            <a:fillRect/>
+          </a:stretch>
+        </p:blipFill>
+        <p:spPr bwMode="auto">
+          <a:xfrm>
+            <a:off x="5306887" y="1413786"/>
+            <a:ext cx="3657600" cy="4314825"/>
+          </a:xfrm>
+          <a:prstGeom prst="rect">
+            <a:avLst/>
+          </a:prstGeom>
+          <a:noFill/>
+          <a:extLst>
+            <a:ext uri="{909E8E84-426E-40DD-AFC4-6F175D3DCCD1}">
+              <a14:hiddenFill xmlns:a14="http://schemas.microsoft.com/office/drawing/2010/main">
+                <a:solidFill>
+                  <a:srgbClr val="FFFFFF"/>
+                </a:solidFill>
+              </a14:hiddenFill>
+            </a:ext>
+          </a:extLst>
+        </p:spPr>
+      </p:pic>
+    </p:spTree>
+    <p:extLst>
+      <p:ext uri="{BB962C8B-B14F-4D97-AF65-F5344CB8AC3E}">
+        <p14:creationId xmlns:p14="http://schemas.microsoft.com/office/powerpoint/2010/main" val="3629479647"/>
+      </p:ext>
+    </p:extLst>
+  </p:cSld>
+  <p:clrMapOvr>
+    <a:masterClrMapping/>
+  </p:clrMapOvr>
+</p:sld>
+</file>
+
 <file path=ppt/slides/slide2.xml><?xml version="1.0" encoding="utf-8"?>
 <p:sld xmlns:a="http://schemas.openxmlformats.org/drawingml/2006/main" xmlns:r="http://schemas.openxmlformats.org/officeDocument/2006/relationships" xmlns:p="http://schemas.openxmlformats.org/presentationml/2006/main">
   <p:cSld>
@@ -4833,56 +5386,78 @@
           <a:p>
             <a:r>
               <a:rPr lang="fr-FR" dirty="0"/>
-              <a:t>Arduino UNO</a:t>
+              <a:t>Attention</a:t>
             </a:r>
           </a:p>
         </p:txBody>
       </p:sp>
-      <p:pic>
-        <p:nvPicPr>
-          <p:cNvPr id="7170" name="Picture 2" descr="Résultat de recherche d'images pour &quot;description arduino uno&quot;"/>
-          <p:cNvPicPr>
-            <a:picLocks noChangeAspect="1" noChangeArrowheads="1"/>
-          </p:cNvPicPr>
-          <p:nvPr/>
-        </p:nvPicPr>
-        <p:blipFill>
-          <a:blip r:embed="rId2">
-            <a:extLst>
-              <a:ext uri="{28A0092B-C50C-407E-A947-70E740481C1C}">
-                <a14:useLocalDpi xmlns:a14="http://schemas.microsoft.com/office/drawing/2010/main" val="0"/>
-              </a:ext>
-            </a:extLst>
-          </a:blip>
-          <a:srcRect/>
-          <a:stretch>
-            <a:fillRect/>
-          </a:stretch>
-        </p:blipFill>
-        <p:spPr bwMode="auto">
-          <a:xfrm>
-            <a:off x="683568" y="1156370"/>
-            <a:ext cx="7272808" cy="5029333"/>
-          </a:xfrm>
-          <a:prstGeom prst="rect">
-            <a:avLst/>
-          </a:prstGeom>
-          <a:noFill/>
-          <a:extLst>
-            <a:ext uri="{909E8E84-426E-40DD-AFC4-6F175D3DCCD1}">
-              <a14:hiddenFill xmlns:a14="http://schemas.microsoft.com/office/drawing/2010/main">
-                <a:solidFill>
-                  <a:srgbClr val="FFFFFF"/>
-                </a:solidFill>
-              </a14:hiddenFill>
-            </a:ext>
-          </a:extLst>
-        </p:spPr>
-      </p:pic>
+      <p:sp>
+        <p:nvSpPr>
+          <p:cNvPr id="3" name="Espace réservé du contenu 2"/>
+          <p:cNvSpPr>
+            <a:spLocks noGrp="1"/>
+          </p:cNvSpPr>
+          <p:nvPr>
+            <p:ph idx="1"/>
+          </p:nvPr>
+        </p:nvSpPr>
+        <p:spPr/>
+        <p:txBody>
+          <a:bodyPr/>
+          <a:lstStyle/>
+          <a:p>
+            <a:r>
+              <a:rPr lang="fr-FR" dirty="0"/>
+              <a:t>Bien faire attention au voltage et à l'intensité</a:t>
+            </a:r>
+          </a:p>
+          <a:p>
+            <a:r>
+              <a:rPr lang="fr-FR" dirty="0"/>
+              <a:t>Loi de Ohm : U = R.I</a:t>
+            </a:r>
+          </a:p>
+          <a:p>
+            <a:r>
+              <a:rPr lang="fr-FR" dirty="0"/>
+              <a:t>Effet Joule : P = U.I</a:t>
+            </a:r>
+          </a:p>
+          <a:p>
+            <a:r>
+              <a:rPr lang="fr-FR" dirty="0"/>
+              <a:t>Par exemple </a:t>
+            </a:r>
+            <a:r>
+              <a:rPr lang="fr-FR" dirty="0" err="1"/>
+              <a:t>Pmax</a:t>
+            </a:r>
+            <a:r>
+              <a:rPr lang="fr-FR" dirty="0"/>
+              <a:t> = 0.41W</a:t>
+            </a:r>
+          </a:p>
+          <a:p>
+            <a:pPr lvl="1"/>
+            <a:r>
+              <a:rPr lang="fr-FR" dirty="0"/>
+              <a:t>Pour 9V, Imax = </a:t>
+            </a:r>
+            <a:r>
+              <a:rPr lang="fr-FR" dirty="0" err="1"/>
+              <a:t>Pmax</a:t>
+            </a:r>
+            <a:r>
+              <a:rPr lang="fr-FR" dirty="0"/>
+              <a:t> / U, Imax = 45mA </a:t>
+            </a:r>
+          </a:p>
+        </p:txBody>
+      </p:sp>
     </p:spTree>
     <p:extLst>
       <p:ext uri="{BB962C8B-B14F-4D97-AF65-F5344CB8AC3E}">
-        <p14:creationId xmlns:p14="http://schemas.microsoft.com/office/powerpoint/2010/main" val="1735143361"/>
+        <p14:creationId xmlns:p14="http://schemas.microsoft.com/office/powerpoint/2010/main" val="978633816"/>
       </p:ext>
     </p:extLst>
   </p:cSld>
@@ -4926,7 +5501,7 @@
           <a:p>
             <a:r>
               <a:rPr lang="fr-FR" dirty="0"/>
-              <a:t>Attention</a:t>
+              <a:t>Calcul d'une résistance</a:t>
             </a:r>
           </a:p>
         </p:txBody>
@@ -4948,121 +5523,6 @@
           <a:p>
             <a:r>
               <a:rPr lang="fr-FR" dirty="0"/>
-              <a:t>Bien faire attention aux voltage et à l'intensité</a:t>
-            </a:r>
-          </a:p>
-          <a:p>
-            <a:r>
-              <a:rPr lang="fr-FR" dirty="0"/>
-              <a:t>Loi de Ohm : U = R.I</a:t>
-            </a:r>
-          </a:p>
-          <a:p>
-            <a:r>
-              <a:rPr lang="fr-FR" dirty="0"/>
-              <a:t>Effet Joule : P = U.I</a:t>
-            </a:r>
-          </a:p>
-          <a:p>
-            <a:r>
-              <a:rPr lang="fr-FR" dirty="0"/>
-              <a:t>Par exemple </a:t>
-            </a:r>
-            <a:r>
-              <a:rPr lang="fr-FR" dirty="0" err="1"/>
-              <a:t>Pmax</a:t>
-            </a:r>
-            <a:r>
-              <a:rPr lang="fr-FR" dirty="0"/>
-              <a:t> = 0.41W</a:t>
-            </a:r>
-          </a:p>
-          <a:p>
-            <a:pPr lvl="1"/>
-            <a:r>
-              <a:rPr lang="fr-FR" dirty="0"/>
-              <a:t>Pour 9V, Imax = </a:t>
-            </a:r>
-            <a:r>
-              <a:rPr lang="fr-FR" dirty="0" err="1"/>
-              <a:t>Pmax</a:t>
-            </a:r>
-            <a:r>
-              <a:rPr lang="fr-FR" dirty="0"/>
-              <a:t> / U, Imax = 45mA </a:t>
-            </a:r>
-          </a:p>
-        </p:txBody>
-      </p:sp>
-    </p:spTree>
-    <p:extLst>
-      <p:ext uri="{BB962C8B-B14F-4D97-AF65-F5344CB8AC3E}">
-        <p14:creationId xmlns:p14="http://schemas.microsoft.com/office/powerpoint/2010/main" val="978633816"/>
-      </p:ext>
-    </p:extLst>
-  </p:cSld>
-  <p:clrMapOvr>
-    <a:masterClrMapping/>
-  </p:clrMapOvr>
-</p:sld>
-</file>
-
-<file path=ppt/slides/slide4.xml><?xml version="1.0" encoding="utf-8"?>
-<p:sld xmlns:a="http://schemas.openxmlformats.org/drawingml/2006/main" xmlns:r="http://schemas.openxmlformats.org/officeDocument/2006/relationships" xmlns:p="http://schemas.openxmlformats.org/presentationml/2006/main">
-  <p:cSld>
-    <p:spTree>
-      <p:nvGrpSpPr>
-        <p:cNvPr id="1" name=""/>
-        <p:cNvGrpSpPr/>
-        <p:nvPr/>
-      </p:nvGrpSpPr>
-      <p:grpSpPr>
-        <a:xfrm>
-          <a:off x="0" y="0"/>
-          <a:ext cx="0" cy="0"/>
-          <a:chOff x="0" y="0"/>
-          <a:chExt cx="0" cy="0"/>
-        </a:xfrm>
-      </p:grpSpPr>
-      <p:sp>
-        <p:nvSpPr>
-          <p:cNvPr id="2" name="Titre 1"/>
-          <p:cNvSpPr>
-            <a:spLocks noGrp="1"/>
-          </p:cNvSpPr>
-          <p:nvPr>
-            <p:ph type="title"/>
-          </p:nvPr>
-        </p:nvSpPr>
-        <p:spPr/>
-        <p:txBody>
-          <a:bodyPr/>
-          <a:lstStyle/>
-          <a:p>
-            <a:r>
-              <a:rPr lang="fr-FR" dirty="0"/>
-              <a:t>Calcul d'une résistance</a:t>
-            </a:r>
-          </a:p>
-        </p:txBody>
-      </p:sp>
-      <p:sp>
-        <p:nvSpPr>
-          <p:cNvPr id="3" name="Espace réservé du contenu 2"/>
-          <p:cNvSpPr>
-            <a:spLocks noGrp="1"/>
-          </p:cNvSpPr>
-          <p:nvPr>
-            <p:ph idx="1"/>
-          </p:nvPr>
-        </p:nvSpPr>
-        <p:spPr/>
-        <p:txBody>
-          <a:bodyPr/>
-          <a:lstStyle/>
-          <a:p>
-            <a:r>
-              <a:rPr lang="fr-FR" dirty="0"/>
               <a:t>Si vous branchez une LED directement sur le 5V est brule !!</a:t>
             </a:r>
           </a:p>
@@ -5119,8 +5579,12 @@
           <a:p>
             <a:pPr lvl="1"/>
             <a:r>
-              <a:rPr lang="fr-FR" dirty="0"/>
-              <a:t>DU = RI, </a:t>
+              <a:rPr lang="fr-FR" dirty="0" err="1"/>
+              <a:t>dU</a:t>
+            </a:r>
+            <a:r>
+              <a:rPr lang="fr-FR" dirty="0"/>
+              <a:t> = RI, </a:t>
             </a:r>
             <a:r>
               <a:rPr lang="fr-FR" dirty="0" err="1"/>
@@ -5180,7 +5644,7 @@
             <a:pPr lvl="1"/>
             <a:r>
               <a:rPr lang="fr-FR" dirty="0"/>
-              <a:t>Nous mettrons en série un résistance de 500 Ohm</a:t>
+              <a:t>Nous mettrons en série une résistance de 500 Ohm</a:t>
             </a:r>
           </a:p>
         </p:txBody>
@@ -5239,7 +5703,7 @@
 </p:sld>
 </file>
 
-<file path=ppt/slides/slide5.xml><?xml version="1.0" encoding="utf-8"?>
+<file path=ppt/slides/slide4.xml><?xml version="1.0" encoding="utf-8"?>
 <p:sld xmlns:a="http://schemas.openxmlformats.org/drawingml/2006/main" xmlns:r="http://schemas.openxmlformats.org/officeDocument/2006/relationships" xmlns:p="http://schemas.openxmlformats.org/presentationml/2006/main">
   <p:cSld>
     <p:spTree>
@@ -5320,7 +5784,7 @@
 </p:sld>
 </file>
 
-<file path=ppt/slides/slide6.xml><?xml version="1.0" encoding="utf-8"?>
+<file path=ppt/slides/slide5.xml><?xml version="1.0" encoding="utf-8"?>
 <p:sld xmlns:a="http://schemas.openxmlformats.org/drawingml/2006/main" xmlns:r="http://schemas.openxmlformats.org/officeDocument/2006/relationships" xmlns:p="http://schemas.openxmlformats.org/presentationml/2006/main">
   <p:cSld>
     <p:spTree>
@@ -5532,6 +5996,168 @@
 </p:sld>
 </file>
 
+<file path=ppt/slides/slide6.xml><?xml version="1.0" encoding="utf-8"?>
+<p:sld xmlns:a="http://schemas.openxmlformats.org/drawingml/2006/main" xmlns:r="http://schemas.openxmlformats.org/officeDocument/2006/relationships" xmlns:p="http://schemas.openxmlformats.org/presentationml/2006/main">
+  <p:cSld>
+    <p:spTree>
+      <p:nvGrpSpPr>
+        <p:cNvPr id="1" name=""/>
+        <p:cNvGrpSpPr/>
+        <p:nvPr/>
+      </p:nvGrpSpPr>
+      <p:grpSpPr>
+        <a:xfrm>
+          <a:off x="0" y="0"/>
+          <a:ext cx="0" cy="0"/>
+          <a:chOff x="0" y="0"/>
+          <a:chExt cx="0" cy="0"/>
+        </a:xfrm>
+      </p:grpSpPr>
+      <p:sp>
+        <p:nvSpPr>
+          <p:cNvPr id="2" name="Titre 1"/>
+          <p:cNvSpPr>
+            <a:spLocks noGrp="1"/>
+          </p:cNvSpPr>
+          <p:nvPr>
+            <p:ph type="title"/>
+          </p:nvPr>
+        </p:nvSpPr>
+        <p:spPr/>
+        <p:txBody>
+          <a:bodyPr/>
+          <a:lstStyle/>
+          <a:p>
+            <a:r>
+              <a:rPr lang="fr-FR" dirty="0"/>
+              <a:t>Alimentation</a:t>
+            </a:r>
+          </a:p>
+        </p:txBody>
+      </p:sp>
+      <p:sp>
+        <p:nvSpPr>
+          <p:cNvPr id="3" name="Espace réservé du contenu 2"/>
+          <p:cNvSpPr>
+            <a:spLocks noGrp="1"/>
+          </p:cNvSpPr>
+          <p:nvPr>
+            <p:ph idx="1"/>
+          </p:nvPr>
+        </p:nvSpPr>
+        <p:spPr/>
+        <p:txBody>
+          <a:bodyPr/>
+          <a:lstStyle/>
+          <a:p>
+            <a:r>
+              <a:rPr lang="fr-FR" dirty="0"/>
+              <a:t>L'</a:t>
+            </a:r>
+            <a:r>
+              <a:rPr lang="fr-FR" dirty="0" err="1"/>
+              <a:t>Arduino</a:t>
+            </a:r>
+            <a:r>
+              <a:rPr lang="fr-FR" dirty="0"/>
+              <a:t> peut être alimenté de 5V à 12V</a:t>
+            </a:r>
+          </a:p>
+          <a:p>
+            <a:pPr lvl="1"/>
+            <a:r>
+              <a:rPr lang="fr-FR" dirty="0" err="1"/>
+              <a:t>Pmin</a:t>
+            </a:r>
+            <a:r>
+              <a:rPr lang="fr-FR" dirty="0"/>
+              <a:t> = 0.1W sans </a:t>
+            </a:r>
+            <a:r>
+              <a:rPr lang="fr-FR" dirty="0" err="1"/>
+              <a:t>device</a:t>
+            </a:r>
+            <a:r>
+              <a:rPr lang="fr-FR" dirty="0"/>
+              <a:t>, </a:t>
+            </a:r>
+            <a:r>
+              <a:rPr lang="fr-FR" dirty="0" err="1"/>
+              <a:t>Pmax</a:t>
+            </a:r>
+            <a:r>
+              <a:rPr lang="fr-FR" dirty="0"/>
+              <a:t> = 2.5W</a:t>
+            </a:r>
+          </a:p>
+          <a:p>
+            <a:r>
+              <a:rPr lang="fr-FR" dirty="0"/>
+              <a:t>Alimenté par USB (5.1V) ou par connecteur</a:t>
+            </a:r>
+          </a:p>
+          <a:p>
+            <a:pPr lvl="1"/>
+            <a:r>
+              <a:rPr lang="fr-FR" dirty="0"/>
+              <a:t>Le connecteur l'emporte sur l'USB</a:t>
+            </a:r>
+          </a:p>
+          <a:p>
+            <a:pPr lvl="1"/>
+            <a:r>
+              <a:rPr lang="fr-FR" dirty="0"/>
+              <a:t>Pas de fusible !</a:t>
+            </a:r>
+          </a:p>
+          <a:p>
+            <a:pPr lvl="1"/>
+            <a:r>
+              <a:rPr lang="fr-FR" dirty="0"/>
+              <a:t>Chute de tension maximale : 1V</a:t>
+            </a:r>
+          </a:p>
+          <a:p>
+            <a:pPr lvl="1"/>
+            <a:r>
+              <a:rPr lang="fr-FR" dirty="0"/>
+              <a:t>Prévoir une tension de 6V</a:t>
+            </a:r>
+          </a:p>
+          <a:p>
+            <a:pPr lvl="1"/>
+            <a:r>
+              <a:rPr lang="fr-FR" dirty="0"/>
+              <a:t>Puissance maximale par broche 40mA</a:t>
+            </a:r>
+          </a:p>
+          <a:p>
+            <a:endParaRPr lang="fr-FR" dirty="0"/>
+          </a:p>
+          <a:p>
+            <a:endParaRPr lang="fr-FR" dirty="0"/>
+          </a:p>
+          <a:p>
+            <a:endParaRPr lang="fr-FR" dirty="0"/>
+          </a:p>
+          <a:p>
+            <a:endParaRPr lang="fr-FR" dirty="0"/>
+          </a:p>
+        </p:txBody>
+      </p:sp>
+    </p:spTree>
+    <p:extLst>
+      <p:ext uri="{BB962C8B-B14F-4D97-AF65-F5344CB8AC3E}">
+        <p14:creationId xmlns:p14="http://schemas.microsoft.com/office/powerpoint/2010/main" val="83916020"/>
+      </p:ext>
+    </p:extLst>
+  </p:cSld>
+  <p:clrMapOvr>
+    <a:masterClrMapping/>
+  </p:clrMapOvr>
+</p:sld>
+</file>
+
 <file path=ppt/slides/slide7.xml><?xml version="1.0" encoding="utf-8"?>
 <p:sld xmlns:a="http://schemas.openxmlformats.org/drawingml/2006/main" xmlns:r="http://schemas.openxmlformats.org/officeDocument/2006/relationships" xmlns:p="http://schemas.openxmlformats.org/presentationml/2006/main">
   <p:cSld>
@@ -5566,7 +6192,7 @@
           <a:p>
             <a:r>
               <a:rPr lang="fr-FR" dirty="0"/>
-              <a:t>Alimentation</a:t>
+              <a:t>I/O Numérique</a:t>
             </a:r>
           </a:p>
         </p:txBody>
@@ -5588,95 +6214,51 @@
           <a:p>
             <a:r>
               <a:rPr lang="fr-FR" dirty="0"/>
-              <a:t>L'</a:t>
+              <a:t>Reçoit des 0 et des 1</a:t>
+            </a:r>
+          </a:p>
+          <a:p>
+            <a:pPr lvl="1"/>
+            <a:r>
+              <a:rPr lang="fr-FR" dirty="0"/>
+              <a:t>0 correspond à 0V</a:t>
+            </a:r>
+          </a:p>
+          <a:p>
+            <a:pPr lvl="1"/>
+            <a:r>
+              <a:rPr lang="fr-FR" dirty="0"/>
+              <a:t>1 correspond à 5V</a:t>
+            </a:r>
+          </a:p>
+          <a:p>
+            <a:r>
+              <a:rPr lang="fr-FR" dirty="0"/>
+              <a:t>Les données peuvent être envoyées avec une certaine fréquence (</a:t>
             </a:r>
             <a:r>
               <a:rPr lang="fr-FR" dirty="0" err="1"/>
-              <a:t>Arduino</a:t>
-            </a:r>
-            <a:r>
-              <a:rPr lang="fr-FR" dirty="0"/>
-              <a:t> peut être alimenté de 5V à 12V</a:t>
+              <a:t>baudrate</a:t>
+            </a:r>
+            <a:r>
+              <a:rPr lang="fr-FR" dirty="0"/>
+              <a:t>) pour pouvoir fabriquer des chiffres</a:t>
+            </a:r>
+          </a:p>
+          <a:p>
+            <a:r>
+              <a:rPr lang="fr-FR" dirty="0"/>
+              <a:t>Principe de la communication de série</a:t>
+            </a:r>
+          </a:p>
+          <a:p>
+            <a:r>
+              <a:rPr lang="fr-FR" dirty="0"/>
+              <a:t>Il existe des bus de communication pour faciliter ce traitement</a:t>
             </a:r>
           </a:p>
           <a:p>
             <a:pPr lvl="1"/>
-            <a:r>
-              <a:rPr lang="fr-FR" dirty="0" err="1"/>
-              <a:t>Pmin</a:t>
-            </a:r>
-            <a:r>
-              <a:rPr lang="fr-FR" dirty="0"/>
-              <a:t> = 0.1W sans </a:t>
-            </a:r>
-            <a:r>
-              <a:rPr lang="fr-FR" dirty="0" err="1"/>
-              <a:t>device</a:t>
-            </a:r>
-            <a:r>
-              <a:rPr lang="fr-FR" dirty="0"/>
-              <a:t>, </a:t>
-            </a:r>
-            <a:r>
-              <a:rPr lang="fr-FR" dirty="0" err="1"/>
-              <a:t>Pmax</a:t>
-            </a:r>
-            <a:r>
-              <a:rPr lang="fr-FR" dirty="0"/>
-              <a:t> = 2.5W</a:t>
-            </a:r>
-          </a:p>
-          <a:p>
-            <a:r>
-              <a:rPr lang="fr-FR" dirty="0"/>
-              <a:t>Alimenté par USB (5.1V) ou par connecteur</a:t>
-            </a:r>
-          </a:p>
-          <a:p>
-            <a:pPr lvl="1"/>
-            <a:r>
-              <a:rPr lang="fr-FR" dirty="0"/>
-              <a:t>Le connecteur l'emporte sur l'USB</a:t>
-            </a:r>
-          </a:p>
-          <a:p>
-            <a:pPr lvl="1"/>
-            <a:r>
-              <a:rPr lang="fr-FR" dirty="0"/>
-              <a:t>Pas de fusible !</a:t>
-            </a:r>
-          </a:p>
-          <a:p>
-            <a:pPr lvl="1"/>
-            <a:r>
-              <a:rPr lang="fr-FR" dirty="0"/>
-              <a:t>Chute de tension maximale : 1V</a:t>
-            </a:r>
-          </a:p>
-          <a:p>
-            <a:pPr lvl="1"/>
-            <a:r>
-              <a:rPr lang="fr-FR" dirty="0"/>
-              <a:t>Prévoir une tension de 6V</a:t>
-            </a:r>
-          </a:p>
-          <a:p>
-            <a:pPr lvl="1"/>
-            <a:r>
-              <a:rPr lang="fr-FR" dirty="0"/>
-              <a:t>Puissance maximale par broche 40mA</a:t>
-            </a:r>
-          </a:p>
-          <a:p>
-            <a:endParaRPr lang="fr-FR" dirty="0"/>
-          </a:p>
-          <a:p>
-            <a:endParaRPr lang="fr-FR" dirty="0"/>
-          </a:p>
-          <a:p>
-            <a:endParaRPr lang="fr-FR" dirty="0"/>
-          </a:p>
-          <a:p>
             <a:endParaRPr lang="fr-FR" dirty="0"/>
           </a:p>
         </p:txBody>
@@ -5684,7 +6266,7 @@
     </p:spTree>
     <p:extLst>
       <p:ext uri="{BB962C8B-B14F-4D97-AF65-F5344CB8AC3E}">
-        <p14:creationId xmlns:p14="http://schemas.microsoft.com/office/powerpoint/2010/main" val="83916020"/>
+        <p14:creationId xmlns:p14="http://schemas.microsoft.com/office/powerpoint/2010/main" val="853419029"/>
       </p:ext>
     </p:extLst>
   </p:cSld>
@@ -5728,7 +6310,7 @@
           <a:p>
             <a:r>
               <a:rPr lang="fr-FR" dirty="0"/>
-              <a:t>I/O Numérique</a:t>
+              <a:t>I/O Analogiques</a:t>
             </a:r>
           </a:p>
         </p:txBody>
@@ -5750,51 +6332,61 @@
           <a:p>
             <a:r>
               <a:rPr lang="fr-FR" dirty="0"/>
-              <a:t>Reçoit des 0 et des 1</a:t>
+              <a:t>I/O Analogiques et une entrée sortie avec une valeur comprise entre 0V et 5V</a:t>
+            </a:r>
+          </a:p>
+          <a:p>
+            <a:r>
+              <a:rPr lang="fr-FR" dirty="0"/>
+              <a:t>Il faut ensuite convertir cette valeur en un chiffre traitable par programmation</a:t>
+            </a:r>
+          </a:p>
+          <a:p>
+            <a:r>
+              <a:rPr lang="fr-FR" dirty="0"/>
+              <a:t>Exemple d'entrée analogique</a:t>
             </a:r>
           </a:p>
           <a:p>
             <a:pPr lvl="1"/>
             <a:r>
               <a:rPr lang="fr-FR" dirty="0"/>
-              <a:t>0 correspond à 0V</a:t>
+              <a:t>Un capteur analogique (température, pression, …)</a:t>
             </a:r>
           </a:p>
           <a:p>
             <a:pPr lvl="1"/>
             <a:r>
               <a:rPr lang="fr-FR" dirty="0"/>
-              <a:t>1 correspond à 5V</a:t>
-            </a:r>
-          </a:p>
-          <a:p>
-            <a:r>
-              <a:rPr lang="fr-FR" dirty="0"/>
-              <a:t>Les données peuvent être envoyées avec une certaine fréquence (</a:t>
+              <a:t>Un gyroscope</a:t>
+            </a:r>
+          </a:p>
+          <a:p>
+            <a:r>
+              <a:rPr lang="fr-FR" dirty="0"/>
+              <a:t>Exemple de sortie analogique</a:t>
+            </a:r>
+          </a:p>
+          <a:p>
+            <a:pPr lvl="1"/>
+            <a:r>
+              <a:rPr lang="fr-FR" dirty="0"/>
+              <a:t>Une </a:t>
             </a:r>
             <a:r>
               <a:rPr lang="fr-FR" dirty="0" err="1"/>
-              <a:t>baudrate</a:t>
-            </a:r>
-            <a:r>
-              <a:rPr lang="fr-FR" dirty="0"/>
-              <a:t>) pour pouvoir fabriquer des chiffres</a:t>
-            </a:r>
-          </a:p>
-          <a:p>
-            <a:r>
-              <a:rPr lang="fr-FR" dirty="0"/>
-              <a:t>Principe de la communication de série</a:t>
-            </a:r>
-          </a:p>
-          <a:p>
-            <a:r>
-              <a:rPr lang="fr-FR" dirty="0"/>
-              <a:t>Il existe des bus de communication pour faciliter ce traitement</a:t>
+              <a:t>Led</a:t>
+            </a:r>
+            <a:r>
+              <a:rPr lang="fr-FR" dirty="0"/>
+              <a:t> en fading</a:t>
             </a:r>
           </a:p>
           <a:p>
             <a:pPr lvl="1"/>
+            <a:endParaRPr lang="fr-FR" dirty="0"/>
+          </a:p>
+          <a:p>
             <a:endParaRPr lang="fr-FR" dirty="0"/>
           </a:p>
         </p:txBody>
@@ -5802,7 +6394,7 @@
     </p:spTree>
     <p:extLst>
       <p:ext uri="{BB962C8B-B14F-4D97-AF65-F5344CB8AC3E}">
-        <p14:creationId xmlns:p14="http://schemas.microsoft.com/office/powerpoint/2010/main" val="853419029"/>
+        <p14:creationId xmlns:p14="http://schemas.microsoft.com/office/powerpoint/2010/main" val="624572129"/>
       </p:ext>
     </p:extLst>
   </p:cSld>
@@ -5846,7 +6438,7 @@
           <a:p>
             <a:r>
               <a:rPr lang="fr-FR" dirty="0"/>
-              <a:t>I/O Analogiques</a:t>
+              <a:t>I/O Numérique</a:t>
             </a:r>
           </a:p>
         </p:txBody>
@@ -5868,54 +6460,63 @@
           <a:p>
             <a:r>
               <a:rPr lang="fr-FR" dirty="0"/>
-              <a:t>I/O Analogiques et une entrée sortie avec une valeur comprise entre 0V et 5V</a:t>
-            </a:r>
-          </a:p>
-          <a:p>
-            <a:r>
-              <a:rPr lang="fr-FR" dirty="0"/>
-              <a:t>Il faut ensuite convertir cette valeur en un chiffre traitable par programmation</a:t>
-            </a:r>
-          </a:p>
-          <a:p>
-            <a:r>
-              <a:rPr lang="fr-FR" dirty="0"/>
-              <a:t>Exemple d'entrée analogique</a:t>
+              <a:t>Exemple de sortie numérique</a:t>
             </a:r>
           </a:p>
           <a:p>
             <a:pPr lvl="1"/>
             <a:r>
               <a:rPr lang="fr-FR" dirty="0"/>
-              <a:t>Un capteur analogique (température, pression, …)</a:t>
+              <a:t>Une </a:t>
+            </a:r>
+            <a:r>
+              <a:rPr lang="fr-FR" dirty="0" err="1"/>
+              <a:t>led</a:t>
+            </a:r>
+            <a:r>
+              <a:rPr lang="fr-FR" dirty="0"/>
+              <a:t> on / off</a:t>
             </a:r>
           </a:p>
           <a:p>
             <a:pPr lvl="1"/>
             <a:r>
               <a:rPr lang="fr-FR" dirty="0"/>
-              <a:t>Un gyroscope</a:t>
-            </a:r>
-          </a:p>
-          <a:p>
-            <a:r>
-              <a:rPr lang="fr-FR" dirty="0"/>
-              <a:t>Exemple de sortie analogique</a:t>
+              <a:t>Un relais de puissance</a:t>
             </a:r>
           </a:p>
           <a:p>
             <a:pPr lvl="1"/>
             <a:r>
               <a:rPr lang="fr-FR" dirty="0"/>
-              <a:t>Une </a:t>
-            </a:r>
-            <a:r>
-              <a:rPr lang="fr-FR" dirty="0" err="1"/>
-              <a:t>Led</a:t>
-            </a:r>
-            <a:r>
-              <a:rPr lang="fr-FR" dirty="0"/>
-              <a:t> en fading</a:t>
+              <a:t>Un port série</a:t>
+            </a:r>
+          </a:p>
+          <a:p>
+            <a:pPr lvl="1"/>
+            <a:r>
+              <a:rPr lang="fr-FR" dirty="0"/>
+              <a:t>…</a:t>
+            </a:r>
+          </a:p>
+          <a:p>
+            <a:r>
+              <a:rPr lang="fr-FR" dirty="0"/>
+              <a:t>Exemple d'entrée numérique</a:t>
+            </a:r>
+          </a:p>
+          <a:p>
+            <a:pPr lvl="1"/>
+            <a:r>
+              <a:rPr lang="fr-FR" dirty="0"/>
+              <a:t>Un bouton poussoir</a:t>
+            </a:r>
+          </a:p>
+          <a:p>
+            <a:pPr lvl="1"/>
+            <a:r>
+              <a:rPr lang="fr-FR" dirty="0"/>
+              <a:t>Un capteur numérique</a:t>
             </a:r>
           </a:p>
           <a:p>
@@ -5923,6 +6524,7 @@
             <a:endParaRPr lang="fr-FR" dirty="0"/>
           </a:p>
           <a:p>
+            <a:pPr lvl="1"/>
             <a:endParaRPr lang="fr-FR" dirty="0"/>
           </a:p>
         </p:txBody>
@@ -5930,7 +6532,7 @@
     </p:spTree>
     <p:extLst>
       <p:ext uri="{BB962C8B-B14F-4D97-AF65-F5344CB8AC3E}">
-        <p14:creationId xmlns:p14="http://schemas.microsoft.com/office/powerpoint/2010/main" val="624572129"/>
+        <p14:creationId xmlns:p14="http://schemas.microsoft.com/office/powerpoint/2010/main" val="2910901563"/>
       </p:ext>
     </p:extLst>
   </p:cSld>

--- a/ppt/IoT03-ArduinoCabling.pptx
+++ b/ppt/IoT03-ArduinoCabling.pptx
@@ -5053,15 +5053,7 @@
             </a:r>
             <a:r>
               <a:rPr lang="fr-FR" dirty="0"/>
-              <a:t> le signal est forcé à 0v en cas de </a:t>
-            </a:r>
-            <a:r>
-              <a:rPr lang="fr-FR" dirty="0" err="1"/>
-              <a:t>cicuit</a:t>
-            </a:r>
-            <a:r>
-              <a:rPr lang="fr-FR" dirty="0"/>
-              <a:t> ouvert</a:t>
+              <a:t> le signal est forcé à 0v en cas de circuit ouvert</a:t>
             </a:r>
           </a:p>
           <a:p>
@@ -5255,39 +5247,22 @@
             </a:r>
             <a:r>
               <a:rPr lang="fr-FR" dirty="0" err="1"/>
-              <a:t>PullDown</a:t>
+              <a:t>PullUp</a:t>
             </a:r>
             <a:endParaRPr lang="fr-FR" dirty="0"/>
           </a:p>
           <a:p>
+            <a:pPr lvl="1"/>
+            <a:r>
+              <a:rPr lang="fr-FR"/>
+              <a:t>Terme inversé</a:t>
+            </a:r>
+            <a:endParaRPr lang="fr-FR" dirty="0"/>
+          </a:p>
+          <a:p>
             <a:r>
               <a:rPr lang="fr-FR" dirty="0"/>
               <a:t>Elles doivent être activée</a:t>
-            </a:r>
-          </a:p>
-          <a:p>
-            <a:r>
-              <a:rPr lang="fr-FR" dirty="0"/>
-              <a:t>L'inverse existe c'est le </a:t>
-            </a:r>
-            <a:r>
-              <a:rPr lang="fr-FR" dirty="0" err="1"/>
-              <a:t>PullUp</a:t>
-            </a:r>
-            <a:endParaRPr lang="fr-FR" dirty="0"/>
-          </a:p>
-          <a:p>
-            <a:pPr lvl="1"/>
-            <a:r>
-              <a:rPr lang="fr-FR" dirty="0"/>
-              <a:t>Quand un signal doit rester à HIGH</a:t>
-            </a:r>
-          </a:p>
-          <a:p>
-            <a:pPr lvl="1"/>
-            <a:r>
-              <a:rPr lang="fr-FR" dirty="0"/>
-              <a:t>Broche 1 = RESET si DOWN</a:t>
             </a:r>
           </a:p>
         </p:txBody>
